--- a/ES6.pptx
+++ b/ES6.pptx
@@ -265,7 +265,7 @@
               <a:pPr>
                 <a:defRPr/>
               </a:pPr>
-              <a:t>2017/3/20</a:t>
+              <a:t>2017/3/22</a:t>
             </a:fld>
             <a:endParaRPr lang="zh-CN" altLang="en-US"/>
           </a:p>
@@ -779,7 +779,7 @@
               <a:pPr>
                 <a:defRPr/>
               </a:pPr>
-              <a:t>2017/3/20</a:t>
+              <a:t>2017/3/22</a:t>
             </a:fld>
             <a:endParaRPr lang="zh-CN" altLang="en-US"/>
           </a:p>
@@ -974,7 +974,7 @@
               <a:pPr>
                 <a:defRPr/>
               </a:pPr>
-              <a:t>2017/3/20</a:t>
+              <a:t>2017/3/22</a:t>
             </a:fld>
             <a:endParaRPr lang="zh-CN" altLang="en-US"/>
           </a:p>
@@ -1179,7 +1179,7 @@
               <a:pPr>
                 <a:defRPr/>
               </a:pPr>
-              <a:t>2017/3/20</a:t>
+              <a:t>2017/3/22</a:t>
             </a:fld>
             <a:endParaRPr lang="zh-CN" altLang="en-US"/>
           </a:p>
@@ -1374,7 +1374,7 @@
               <a:pPr>
                 <a:defRPr/>
               </a:pPr>
-              <a:t>2017/3/20</a:t>
+              <a:t>2017/3/22</a:t>
             </a:fld>
             <a:endParaRPr lang="zh-CN" altLang="en-US"/>
           </a:p>
@@ -1645,7 +1645,7 @@
               <a:pPr>
                 <a:defRPr/>
               </a:pPr>
-              <a:t>2017/3/20</a:t>
+              <a:t>2017/3/22</a:t>
             </a:fld>
             <a:endParaRPr lang="zh-CN" altLang="en-US"/>
           </a:p>
@@ -1958,7 +1958,7 @@
               <a:pPr>
                 <a:defRPr/>
               </a:pPr>
-              <a:t>2017/3/20</a:t>
+              <a:t>2017/3/22</a:t>
             </a:fld>
             <a:endParaRPr lang="zh-CN" altLang="en-US"/>
           </a:p>
@@ -2405,7 +2405,7 @@
               <a:pPr>
                 <a:defRPr/>
               </a:pPr>
-              <a:t>2017/3/20</a:t>
+              <a:t>2017/3/22</a:t>
             </a:fld>
             <a:endParaRPr lang="zh-CN" altLang="en-US"/>
           </a:p>
@@ -2548,7 +2548,7 @@
               <a:pPr>
                 <a:defRPr/>
               </a:pPr>
-              <a:t>2017/3/20</a:t>
+              <a:t>2017/3/22</a:t>
             </a:fld>
             <a:endParaRPr lang="zh-CN" altLang="en-US"/>
           </a:p>
@@ -2668,7 +2668,7 @@
               <a:pPr>
                 <a:defRPr/>
               </a:pPr>
-              <a:t>2017/3/20</a:t>
+              <a:t>2017/3/22</a:t>
             </a:fld>
             <a:endParaRPr lang="zh-CN" altLang="en-US"/>
           </a:p>
@@ -2970,7 +2970,7 @@
               <a:pPr>
                 <a:defRPr/>
               </a:pPr>
-              <a:t>2017/3/20</a:t>
+              <a:t>2017/3/22</a:t>
             </a:fld>
             <a:endParaRPr lang="zh-CN" altLang="en-US"/>
           </a:p>
@@ -3251,7 +3251,7 @@
               <a:pPr>
                 <a:defRPr/>
               </a:pPr>
-              <a:t>2017/3/20</a:t>
+              <a:t>2017/3/22</a:t>
             </a:fld>
             <a:endParaRPr lang="zh-CN" altLang="en-US"/>
           </a:p>
@@ -3519,7 +3519,7 @@
               <a:pPr>
                 <a:defRPr/>
               </a:pPr>
-              <a:t>2017/3/20</a:t>
+              <a:t>2017/3/22</a:t>
             </a:fld>
             <a:endParaRPr lang="zh-CN" altLang="en-US"/>
           </a:p>
@@ -7409,19 +7409,13 @@
               <a:defRPr/>
             </a:pPr>
             <a:r>
-              <a:rPr kumimoji="0" lang="zh-CN" altLang="en-US" sz="1800" b="0" i="0" u="none" strike="noStrike" kern="1200" cap="none" spc="0" normalizeH="0" baseline="0" noProof="0" dirty="0" smtClean="0">
-                <a:ln>
-                  <a:noFill/>
-                </a:ln>
-                <a:solidFill>
-                  <a:schemeClr val="tx1"/>
-                </a:solidFill>
-                <a:effectLst/>
-                <a:uLnTx/>
-                <a:uFillTx/>
-                <a:latin typeface="+mn-lt"/>
-                <a:ea typeface="+mn-ea"/>
-                <a:cs typeface="+mn-cs"/>
+              <a:rPr lang="zh-CN" altLang="en-US" dirty="0" smtClean="0">
+                <a:solidFill>
+                  <a:srgbClr val="404040"/>
+                </a:solidFill>
+                <a:latin typeface="微软雅黑"/>
+                <a:ea typeface="微软雅黑"/>
+                <a:cs typeface="微软雅黑"/>
               </a:rPr>
               <a:t>初始化项目，并安装依赖</a:t>
             </a:r>
@@ -7452,7 +7446,7 @@
               <a:buChar char="Ø"/>
             </a:pPr>
             <a:r>
-              <a:rPr lang="zh-CN" altLang="en-US" sz="1400" dirty="0" smtClean="0">
+              <a:rPr lang="zh-CN" altLang="en-US" sz="1500" dirty="0" smtClean="0">
                 <a:solidFill>
                   <a:srgbClr val="404040"/>
                 </a:solidFill>
@@ -7463,7 +7457,7 @@
               <a:t>选择合适目录，比如桌面，命令行输入</a:t>
             </a:r>
             <a:r>
-              <a:rPr lang="en-US" altLang="zh-CN" sz="1400" dirty="0" err="1" smtClean="0">
+              <a:rPr lang="en-US" altLang="zh-CN" sz="1500" dirty="0" err="1" smtClean="0">
                 <a:solidFill>
                   <a:srgbClr val="404040"/>
                 </a:solidFill>
@@ -7474,7 +7468,7 @@
               <a:t>cd</a:t>
             </a:r>
             <a:r>
-              <a:rPr lang="en-US" altLang="zh-CN" sz="1400" dirty="0" smtClean="0">
+              <a:rPr lang="en-US" altLang="zh-CN" sz="1500" dirty="0" smtClean="0">
                 <a:solidFill>
                   <a:srgbClr val="404040"/>
                 </a:solidFill>
@@ -7494,7 +7488,7 @@
               <a:buChar char="Ø"/>
             </a:pPr>
             <a:r>
-              <a:rPr lang="zh-CN" altLang="en-US" sz="1400" dirty="0" smtClean="0">
+              <a:rPr lang="zh-CN" altLang="en-US" sz="1500" dirty="0" smtClean="0">
                 <a:solidFill>
                   <a:srgbClr val="404040"/>
                 </a:solidFill>
@@ -7505,7 +7499,7 @@
               <a:t>命令行输入</a:t>
             </a:r>
             <a:r>
-              <a:rPr lang="en-US" altLang="en-US" sz="1400" dirty="0" smtClean="0">
+              <a:rPr lang="en-US" altLang="en-US" sz="1500" dirty="0" smtClean="0">
                 <a:solidFill>
                   <a:srgbClr val="404040"/>
                 </a:solidFill>
@@ -7515,7 +7509,7 @@
               </a:rPr>
               <a:t>create-react-app hello-world</a:t>
             </a:r>
-            <a:endParaRPr lang="en-US" altLang="zh-CN" sz="1400" dirty="0" smtClean="0">
+            <a:endParaRPr lang="en-US" altLang="zh-CN" sz="1500" dirty="0" smtClean="0">
               <a:solidFill>
                 <a:srgbClr val="404040"/>
               </a:solidFill>
@@ -7603,7 +7597,7 @@
         <p:spPr bwMode="auto">
           <a:xfrm>
             <a:off x="0" y="2571744"/>
-            <a:ext cx="8929718" cy="1071570"/>
+            <a:ext cx="8929718" cy="928694"/>
           </a:xfrm>
           <a:prstGeom prst="rect">
             <a:avLst/>
@@ -7642,36 +7636,24 @@
               <a:defRPr/>
             </a:pPr>
             <a:r>
-              <a:rPr kumimoji="0" lang="zh-CN" altLang="en-US" sz="1800" b="0" i="0" u="none" strike="noStrike" kern="1200" cap="none" spc="0" normalizeH="0" baseline="0" noProof="0" dirty="0" smtClean="0">
-                <a:ln>
-                  <a:noFill/>
-                </a:ln>
-                <a:solidFill>
-                  <a:schemeClr val="tx1"/>
-                </a:solidFill>
-                <a:effectLst/>
-                <a:uLnTx/>
-                <a:uFillTx/>
-                <a:latin typeface="+mn-lt"/>
-                <a:ea typeface="+mn-ea"/>
-                <a:cs typeface="+mn-cs"/>
+              <a:rPr lang="zh-CN" altLang="en-US" dirty="0" smtClean="0">
+                <a:solidFill>
+                  <a:srgbClr val="404040"/>
+                </a:solidFill>
+                <a:latin typeface="微软雅黑"/>
+                <a:ea typeface="微软雅黑"/>
+                <a:cs typeface="微软雅黑"/>
               </a:rPr>
               <a:t>安装</a:t>
             </a:r>
             <a:r>
-              <a:rPr kumimoji="0" lang="en-US" sz="1800" b="0" i="0" u="none" strike="noStrike" kern="1200" cap="none" spc="0" normalizeH="0" baseline="0" noProof="0" dirty="0" smtClean="0">
-                <a:ln>
-                  <a:noFill/>
-                </a:ln>
-                <a:solidFill>
-                  <a:schemeClr val="tx1"/>
-                </a:solidFill>
-                <a:effectLst/>
-                <a:uLnTx/>
-                <a:uFillTx/>
-                <a:latin typeface="+mn-lt"/>
-                <a:ea typeface="+mn-ea"/>
-                <a:cs typeface="+mn-cs"/>
+              <a:rPr lang="en-US" altLang="en-US" dirty="0" smtClean="0">
+                <a:solidFill>
+                  <a:srgbClr val="404040"/>
+                </a:solidFill>
+                <a:latin typeface="微软雅黑"/>
+                <a:ea typeface="微软雅黑"/>
+                <a:cs typeface="微软雅黑"/>
               </a:rPr>
               <a:t>create-react-app</a:t>
             </a:r>
@@ -7780,35 +7762,23 @@
               <a:defRPr/>
             </a:pPr>
             <a:r>
-              <a:rPr kumimoji="0" lang="zh-CN" altLang="en-US" sz="1800" b="0" i="0" u="none" strike="noStrike" kern="1200" cap="none" spc="0" normalizeH="0" baseline="0" noProof="0" dirty="0" smtClean="0">
-                <a:ln>
-                  <a:noFill/>
-                </a:ln>
-                <a:solidFill>
-                  <a:schemeClr val="tx1"/>
-                </a:solidFill>
-                <a:effectLst/>
-                <a:uLnTx/>
-                <a:uFillTx/>
-                <a:latin typeface="+mn-lt"/>
-                <a:ea typeface="+mn-ea"/>
-                <a:cs typeface="+mn-cs"/>
+              <a:rPr lang="zh-CN" altLang="en-US" dirty="0" smtClean="0">
+                <a:solidFill>
+                  <a:srgbClr val="404040"/>
+                </a:solidFill>
+                <a:latin typeface="微软雅黑"/>
+                <a:ea typeface="微软雅黑"/>
+                <a:cs typeface="微软雅黑"/>
               </a:rPr>
               <a:t>启动项目</a:t>
             </a:r>
-            <a:endParaRPr kumimoji="0" lang="en-US" altLang="zh-CN" sz="1800" b="0" i="0" u="none" strike="noStrike" kern="1200" cap="none" spc="0" normalizeH="0" baseline="0" noProof="0" dirty="0" smtClean="0">
-              <a:ln>
-                <a:noFill/>
-              </a:ln>
+            <a:endParaRPr lang="en-US" altLang="zh-CN" dirty="0" smtClean="0">
               <a:solidFill>
-                <a:schemeClr val="tx1"/>
+                <a:srgbClr val="404040"/>
               </a:solidFill>
-              <a:effectLst/>
-              <a:uLnTx/>
-              <a:uFillTx/>
-              <a:latin typeface="+mn-lt"/>
-              <a:ea typeface="+mn-ea"/>
-              <a:cs typeface="+mn-cs"/>
+              <a:latin typeface="微软雅黑"/>
+              <a:ea typeface="微软雅黑"/>
+              <a:cs typeface="微软雅黑"/>
             </a:endParaRPr>
           </a:p>
           <a:p>
@@ -7827,7 +7797,7 @@
               <a:defRPr/>
             </a:pPr>
             <a:r>
-              <a:rPr lang="zh-CN" altLang="en-US" sz="1400" dirty="0" smtClean="0">
+              <a:rPr lang="zh-CN" altLang="en-US" sz="1500" dirty="0" smtClean="0">
                 <a:solidFill>
                   <a:srgbClr val="404040"/>
                 </a:solidFill>
@@ -7838,7 +7808,7 @@
               <a:t>命令行</a:t>
             </a:r>
             <a:r>
-              <a:rPr lang="en-US" altLang="en-US" sz="1400" dirty="0" err="1" smtClean="0">
+              <a:rPr lang="en-US" altLang="en-US" sz="1500" dirty="0" err="1" smtClean="0">
                 <a:solidFill>
                   <a:srgbClr val="404040"/>
                 </a:solidFill>
@@ -7849,7 +7819,7 @@
               <a:t>cd</a:t>
             </a:r>
             <a:r>
-              <a:rPr lang="en-US" altLang="en-US" sz="1400" dirty="0" smtClean="0">
+              <a:rPr lang="en-US" altLang="en-US" sz="1500" dirty="0" smtClean="0">
                 <a:solidFill>
                   <a:srgbClr val="404040"/>
                 </a:solidFill>
@@ -7876,7 +7846,7 @@
               <a:defRPr/>
             </a:pPr>
             <a:r>
-              <a:rPr lang="zh-CN" altLang="en-US" sz="1400" dirty="0" smtClean="0">
+              <a:rPr lang="zh-CN" altLang="en-US" sz="1500" dirty="0" smtClean="0">
                 <a:solidFill>
                   <a:srgbClr val="404040"/>
                 </a:solidFill>
@@ -7887,7 +7857,7 @@
               <a:t>命令行</a:t>
             </a:r>
             <a:r>
-              <a:rPr lang="en-US" altLang="en-US" sz="1400" dirty="0" err="1" smtClean="0">
+              <a:rPr lang="en-US" altLang="en-US" sz="1500" dirty="0" err="1" smtClean="0">
                 <a:solidFill>
                   <a:srgbClr val="404040"/>
                 </a:solidFill>
@@ -7898,7 +7868,7 @@
               <a:t>npm</a:t>
             </a:r>
             <a:r>
-              <a:rPr lang="en-US" altLang="en-US" sz="1400" dirty="0" smtClean="0">
+              <a:rPr lang="en-US" altLang="en-US" sz="1500" dirty="0" smtClean="0">
                 <a:solidFill>
                   <a:srgbClr val="404040"/>
                 </a:solidFill>
@@ -7925,7 +7895,7 @@
               <a:defRPr/>
             </a:pPr>
             <a:r>
-              <a:rPr lang="en-US" altLang="zh-CN" sz="1400" dirty="0" smtClean="0">
+              <a:rPr lang="en-US" altLang="zh-CN" sz="1500" dirty="0" smtClean="0">
                 <a:solidFill>
                   <a:srgbClr val="404040"/>
                 </a:solidFill>
@@ -9258,7 +9228,7 @@
       </p:grpSpPr>
       <p:sp>
         <p:nvSpPr>
-          <p:cNvPr id="2" name="标题 1"/>
+          <p:cNvPr id="6" name="标题 1"/>
           <p:cNvSpPr>
             <a:spLocks noGrp="1"/>
           </p:cNvSpPr>
@@ -9285,7 +9255,7 @@
               <a:defRPr/>
             </a:pPr>
             <a:r>
-              <a:rPr lang="en-US" altLang="zh-CN" sz="3600" b="1" dirty="0" smtClean="0">
+              <a:rPr lang="zh-CN" altLang="en-US" sz="3600" b="1" dirty="0" smtClean="0">
                 <a:solidFill>
                   <a:srgbClr val="F50A64"/>
                 </a:solidFill>
@@ -9299,7 +9269,7 @@
                 <a:latin typeface="微软雅黑" pitchFamily="34" charset="-122"/>
                 <a:ea typeface="微软雅黑" pitchFamily="34" charset="-122"/>
               </a:rPr>
-              <a:t>ES6</a:t>
+              <a:t>注意</a:t>
             </a:r>
             <a:r>
               <a:rPr lang="zh-CN" altLang="en-US" sz="3600" b="1" dirty="0" smtClean="0">
@@ -9316,27 +9286,999 @@
                 <a:latin typeface="微软雅黑" pitchFamily="34" charset="-122"/>
                 <a:ea typeface="微软雅黑" pitchFamily="34" charset="-122"/>
               </a:rPr>
-              <a:t>实战场景</a:t>
+              <a:t>事项 </a:t>
             </a:r>
           </a:p>
         </p:txBody>
       </p:sp>
       <p:sp>
         <p:nvSpPr>
-          <p:cNvPr id="4" name="内容占位符 3"/>
-          <p:cNvSpPr>
-            <a:spLocks noGrp="1"/>
-          </p:cNvSpPr>
-          <p:nvPr>
-            <p:ph idx="1"/>
-          </p:nvPr>
+          <p:cNvPr id="7" name="矩形 6"/>
+          <p:cNvSpPr/>
+          <p:nvPr/>
         </p:nvSpPr>
-        <p:spPr/>
+        <p:spPr>
+          <a:xfrm>
+            <a:off x="285720" y="1357298"/>
+            <a:ext cx="8715436" cy="2031325"/>
+          </a:xfrm>
+          <a:prstGeom prst="rect">
+            <a:avLst/>
+          </a:prstGeom>
+        </p:spPr>
         <p:txBody>
-          <a:bodyPr/>
+          <a:bodyPr wrap="square">
+            <a:spAutoFit/>
+          </a:bodyPr>
           <a:lstStyle/>
           <a:p>
-            <a:endParaRPr lang="zh-CN" altLang="en-US"/>
+            <a:pPr>
+              <a:lnSpc>
+                <a:spcPct val="140000"/>
+              </a:lnSpc>
+            </a:pPr>
+            <a:r>
+              <a:rPr lang="en-US" altLang="zh-CN" sz="1500" dirty="0" err="1" smtClean="0">
+                <a:solidFill>
+                  <a:srgbClr val="404040"/>
+                </a:solidFill>
+                <a:latin typeface="微软雅黑"/>
+                <a:ea typeface="微软雅黑"/>
+                <a:cs typeface="微软雅黑"/>
+              </a:rPr>
+              <a:t>1</a:t>
+            </a:r>
+            <a:r>
+              <a:rPr lang="zh-CN" altLang="en-US" sz="1500" dirty="0" err="1" smtClean="0">
+                <a:solidFill>
+                  <a:srgbClr val="404040"/>
+                </a:solidFill>
+                <a:latin typeface="微软雅黑"/>
+                <a:ea typeface="微软雅黑"/>
+                <a:cs typeface="微软雅黑"/>
+              </a:rPr>
+              <a:t>、</a:t>
+            </a:r>
+            <a:r>
+              <a:rPr lang="en-US" altLang="zh-CN" sz="1500" dirty="0" err="1" smtClean="0">
+                <a:solidFill>
+                  <a:srgbClr val="404040"/>
+                </a:solidFill>
+                <a:latin typeface="微软雅黑"/>
+                <a:ea typeface="微软雅黑"/>
+                <a:cs typeface="微软雅黑"/>
+              </a:rPr>
+              <a:t>ES6</a:t>
+            </a:r>
+            <a:r>
+              <a:rPr lang="zh-CN" altLang="en-US" sz="1500" dirty="0" err="1" smtClean="0">
+                <a:solidFill>
+                  <a:srgbClr val="404040"/>
+                </a:solidFill>
+                <a:latin typeface="微软雅黑"/>
+                <a:ea typeface="微软雅黑"/>
+                <a:cs typeface="微软雅黑"/>
+              </a:rPr>
+              <a:t>都要转化成</a:t>
+            </a:r>
+            <a:r>
+              <a:rPr lang="en-US" altLang="zh-CN" sz="1500" dirty="0" err="1" smtClean="0">
+                <a:solidFill>
+                  <a:srgbClr val="404040"/>
+                </a:solidFill>
+                <a:latin typeface="微软雅黑"/>
+                <a:ea typeface="微软雅黑"/>
+                <a:cs typeface="微软雅黑"/>
+              </a:rPr>
+              <a:t>ES5</a:t>
+            </a:r>
+            <a:r>
+              <a:rPr lang="zh-CN" altLang="en-US" sz="1500" dirty="0" err="1" smtClean="0">
+                <a:solidFill>
+                  <a:srgbClr val="404040"/>
+                </a:solidFill>
+                <a:latin typeface="微软雅黑"/>
+                <a:ea typeface="微软雅黑"/>
+                <a:cs typeface="微软雅黑"/>
+              </a:rPr>
+              <a:t>，才能在主流浏览器使用。</a:t>
+            </a:r>
+          </a:p>
+          <a:p>
+            <a:pPr>
+              <a:lnSpc>
+                <a:spcPct val="140000"/>
+              </a:lnSpc>
+            </a:pPr>
+            <a:r>
+              <a:rPr lang="en-US" altLang="zh-CN" sz="1500" dirty="0" err="1" smtClean="0">
+                <a:solidFill>
+                  <a:srgbClr val="404040"/>
+                </a:solidFill>
+                <a:latin typeface="微软雅黑"/>
+                <a:ea typeface="微软雅黑"/>
+                <a:cs typeface="微软雅黑"/>
+              </a:rPr>
+              <a:t>react</a:t>
+            </a:r>
+            <a:r>
+              <a:rPr lang="zh-CN" altLang="en-US" sz="1500" dirty="0" err="1" smtClean="0">
+                <a:solidFill>
+                  <a:srgbClr val="404040"/>
+                </a:solidFill>
+                <a:latin typeface="微软雅黑"/>
+                <a:ea typeface="微软雅黑"/>
+                <a:cs typeface="微软雅黑"/>
+              </a:rPr>
+              <a:t>，</a:t>
+            </a:r>
+            <a:r>
+              <a:rPr lang="en-US" altLang="zh-CN" sz="1500" dirty="0" err="1" smtClean="0">
+                <a:solidFill>
+                  <a:srgbClr val="404040"/>
+                </a:solidFill>
+                <a:latin typeface="微软雅黑"/>
+                <a:ea typeface="微软雅黑"/>
+                <a:cs typeface="微软雅黑"/>
+              </a:rPr>
+              <a:t>angular2</a:t>
+            </a:r>
+            <a:r>
+              <a:rPr lang="zh-CN" altLang="en-US" sz="1500" dirty="0" err="1" smtClean="0">
+                <a:solidFill>
+                  <a:srgbClr val="404040"/>
+                </a:solidFill>
+                <a:latin typeface="微软雅黑"/>
+                <a:ea typeface="微软雅黑"/>
+                <a:cs typeface="微软雅黑"/>
+              </a:rPr>
+              <a:t>，</a:t>
+            </a:r>
+            <a:r>
+              <a:rPr lang="en-US" altLang="zh-CN" sz="1500" dirty="0" err="1" smtClean="0">
+                <a:solidFill>
+                  <a:srgbClr val="404040"/>
+                </a:solidFill>
+                <a:latin typeface="微软雅黑"/>
+                <a:ea typeface="微软雅黑"/>
+                <a:cs typeface="微软雅黑"/>
+              </a:rPr>
+              <a:t>vue2 </a:t>
+            </a:r>
+            <a:r>
+              <a:rPr lang="zh-CN" altLang="en-US" sz="1500" dirty="0" err="1" smtClean="0">
+                <a:solidFill>
+                  <a:srgbClr val="404040"/>
+                </a:solidFill>
+                <a:latin typeface="微软雅黑"/>
+                <a:ea typeface="微软雅黑"/>
+                <a:cs typeface="微软雅黑"/>
+              </a:rPr>
+              <a:t>等热门主流框架，默认就是</a:t>
+            </a:r>
+            <a:r>
+              <a:rPr lang="en-US" altLang="zh-CN" sz="1500" dirty="0" err="1" smtClean="0">
+                <a:solidFill>
+                  <a:srgbClr val="404040"/>
+                </a:solidFill>
+                <a:latin typeface="微软雅黑"/>
+                <a:ea typeface="微软雅黑"/>
+                <a:cs typeface="微软雅黑"/>
+              </a:rPr>
+              <a:t>ES6</a:t>
+            </a:r>
+            <a:r>
+              <a:rPr lang="zh-CN" altLang="en-US" sz="1500" dirty="0" err="1" smtClean="0">
+                <a:solidFill>
+                  <a:srgbClr val="404040"/>
+                </a:solidFill>
+                <a:latin typeface="微软雅黑"/>
+                <a:ea typeface="微软雅黑"/>
+                <a:cs typeface="微软雅黑"/>
+              </a:rPr>
+              <a:t>语法，按官方文档搭建项目，就自动做好兼容，转化成</a:t>
+            </a:r>
+            <a:r>
+              <a:rPr lang="en-US" altLang="zh-CN" sz="1500" dirty="0" err="1" smtClean="0">
+                <a:solidFill>
+                  <a:srgbClr val="404040"/>
+                </a:solidFill>
+                <a:latin typeface="微软雅黑"/>
+                <a:ea typeface="微软雅黑"/>
+                <a:cs typeface="微软雅黑"/>
+              </a:rPr>
+              <a:t>ES5</a:t>
+            </a:r>
+            <a:r>
+              <a:rPr lang="zh-CN" altLang="en-US" sz="1500" dirty="0" err="1" smtClean="0">
+                <a:solidFill>
+                  <a:srgbClr val="404040"/>
+                </a:solidFill>
+                <a:latin typeface="微软雅黑"/>
+                <a:ea typeface="微软雅黑"/>
+                <a:cs typeface="微软雅黑"/>
+              </a:rPr>
+              <a:t>。</a:t>
+            </a:r>
+            <a:endParaRPr lang="en-US" altLang="zh-CN" sz="1500" dirty="0" err="1" smtClean="0">
+              <a:solidFill>
+                <a:srgbClr val="404040"/>
+              </a:solidFill>
+              <a:latin typeface="微软雅黑"/>
+              <a:ea typeface="微软雅黑"/>
+              <a:cs typeface="微软雅黑"/>
+            </a:endParaRPr>
+          </a:p>
+          <a:p>
+            <a:pPr>
+              <a:lnSpc>
+                <a:spcPct val="140000"/>
+              </a:lnSpc>
+            </a:pPr>
+            <a:r>
+              <a:rPr lang="en-US" altLang="zh-CN" sz="1500" dirty="0" err="1" smtClean="0">
+                <a:solidFill>
+                  <a:srgbClr val="404040"/>
+                </a:solidFill>
+                <a:latin typeface="微软雅黑"/>
+                <a:ea typeface="微软雅黑"/>
+                <a:cs typeface="微软雅黑"/>
+              </a:rPr>
+              <a:t>2</a:t>
+            </a:r>
+            <a:r>
+              <a:rPr lang="zh-CN" altLang="en-US" sz="1500" dirty="0" err="1" smtClean="0">
+                <a:solidFill>
+                  <a:srgbClr val="404040"/>
+                </a:solidFill>
+                <a:latin typeface="微软雅黑"/>
+                <a:ea typeface="微软雅黑"/>
+                <a:cs typeface="微软雅黑"/>
+              </a:rPr>
+              <a:t>、如果你的项目还要兼容</a:t>
+            </a:r>
+            <a:r>
+              <a:rPr lang="en-US" altLang="zh-CN" sz="1500" dirty="0" err="1" smtClean="0">
+                <a:solidFill>
+                  <a:srgbClr val="404040"/>
+                </a:solidFill>
+                <a:latin typeface="微软雅黑"/>
+                <a:ea typeface="微软雅黑"/>
+                <a:cs typeface="微软雅黑"/>
+              </a:rPr>
+              <a:t>IE8</a:t>
+            </a:r>
+            <a:r>
+              <a:rPr lang="zh-CN" altLang="en-US" sz="1500" dirty="0" err="1" smtClean="0">
+                <a:solidFill>
+                  <a:srgbClr val="404040"/>
+                </a:solidFill>
+                <a:latin typeface="微软雅黑"/>
+                <a:ea typeface="微软雅黑"/>
+                <a:cs typeface="微软雅黑"/>
+              </a:rPr>
+              <a:t>、</a:t>
+            </a:r>
+            <a:r>
+              <a:rPr lang="en-US" altLang="zh-CN" sz="1500" dirty="0" err="1" smtClean="0">
+                <a:solidFill>
+                  <a:srgbClr val="404040"/>
+                </a:solidFill>
+                <a:latin typeface="微软雅黑"/>
+                <a:ea typeface="微软雅黑"/>
+                <a:cs typeface="微软雅黑"/>
+              </a:rPr>
+              <a:t>IE9</a:t>
+            </a:r>
+            <a:r>
+              <a:rPr lang="zh-CN" altLang="en-US" sz="1500" dirty="0" err="1" smtClean="0">
+                <a:solidFill>
+                  <a:srgbClr val="404040"/>
+                </a:solidFill>
+                <a:latin typeface="微软雅黑"/>
+                <a:ea typeface="微软雅黑"/>
+                <a:cs typeface="微软雅黑"/>
+              </a:rPr>
+              <a:t>那就最好不要</a:t>
+            </a:r>
+            <a:r>
+              <a:rPr lang="en-US" altLang="zh-CN" sz="1500" dirty="0" err="1" smtClean="0">
+                <a:solidFill>
+                  <a:srgbClr val="404040"/>
+                </a:solidFill>
+                <a:latin typeface="微软雅黑"/>
+                <a:ea typeface="微软雅黑"/>
+                <a:cs typeface="微软雅黑"/>
+              </a:rPr>
+              <a:t>ES6</a:t>
+            </a:r>
+            <a:r>
+              <a:rPr lang="zh-CN" altLang="en-US" sz="1500" dirty="0" err="1" smtClean="0">
+                <a:solidFill>
+                  <a:srgbClr val="404040"/>
+                </a:solidFill>
+                <a:latin typeface="微软雅黑"/>
+                <a:ea typeface="微软雅黑"/>
+                <a:cs typeface="微软雅黑"/>
+              </a:rPr>
+              <a:t>。</a:t>
+            </a:r>
+          </a:p>
+          <a:p>
+            <a:pPr>
+              <a:lnSpc>
+                <a:spcPct val="140000"/>
+              </a:lnSpc>
+            </a:pPr>
+            <a:r>
+              <a:rPr lang="en-US" altLang="zh-CN" sz="1500" dirty="0" err="1" smtClean="0">
+                <a:solidFill>
+                  <a:srgbClr val="404040"/>
+                </a:solidFill>
+                <a:latin typeface="微软雅黑"/>
+                <a:ea typeface="微软雅黑"/>
+                <a:cs typeface="微软雅黑"/>
+              </a:rPr>
+              <a:t>3</a:t>
+            </a:r>
+            <a:r>
+              <a:rPr lang="zh-CN" altLang="en-US" sz="1500" dirty="0" err="1" smtClean="0">
+                <a:solidFill>
+                  <a:srgbClr val="404040"/>
+                </a:solidFill>
+                <a:latin typeface="微软雅黑"/>
+                <a:ea typeface="微软雅黑"/>
+                <a:cs typeface="微软雅黑"/>
+              </a:rPr>
+              <a:t>、以前的旧项目维护，不要使用</a:t>
+            </a:r>
+            <a:r>
+              <a:rPr lang="en-US" altLang="zh-CN" sz="1500" dirty="0" err="1" smtClean="0">
+                <a:solidFill>
+                  <a:srgbClr val="404040"/>
+                </a:solidFill>
+                <a:latin typeface="微软雅黑"/>
+                <a:ea typeface="微软雅黑"/>
+                <a:cs typeface="微软雅黑"/>
+              </a:rPr>
+              <a:t>ES6</a:t>
+            </a:r>
+            <a:r>
+              <a:rPr lang="zh-CN" altLang="en-US" sz="1500" dirty="0" err="1" smtClean="0">
+                <a:solidFill>
+                  <a:srgbClr val="404040"/>
+                </a:solidFill>
+                <a:latin typeface="微软雅黑"/>
+                <a:ea typeface="微软雅黑"/>
+                <a:cs typeface="微软雅黑"/>
+              </a:rPr>
+              <a:t>。</a:t>
+            </a:r>
+          </a:p>
+          <a:p>
+            <a:pPr>
+              <a:lnSpc>
+                <a:spcPct val="140000"/>
+              </a:lnSpc>
+            </a:pPr>
+            <a:r>
+              <a:rPr lang="en-US" altLang="zh-CN" sz="1500" dirty="0" err="1" smtClean="0">
+                <a:solidFill>
+                  <a:srgbClr val="404040"/>
+                </a:solidFill>
+                <a:latin typeface="微软雅黑"/>
+                <a:ea typeface="微软雅黑"/>
+                <a:cs typeface="微软雅黑"/>
+              </a:rPr>
+              <a:t>4</a:t>
+            </a:r>
+            <a:r>
+              <a:rPr lang="zh-CN" altLang="en-US" sz="1500" dirty="0" err="1" smtClean="0">
+                <a:solidFill>
+                  <a:srgbClr val="404040"/>
+                </a:solidFill>
+                <a:latin typeface="微软雅黑"/>
+                <a:ea typeface="微软雅黑"/>
+                <a:cs typeface="微软雅黑"/>
+              </a:rPr>
+              <a:t>、如果是个新项目，并且是移动端单页面应用，就用</a:t>
+            </a:r>
+            <a:r>
+              <a:rPr lang="en-US" altLang="zh-CN" sz="1500" dirty="0" err="1" smtClean="0">
+                <a:solidFill>
+                  <a:srgbClr val="404040"/>
+                </a:solidFill>
+                <a:latin typeface="微软雅黑"/>
+                <a:ea typeface="微软雅黑"/>
+                <a:cs typeface="微软雅黑"/>
+              </a:rPr>
+              <a:t>ES6</a:t>
+            </a:r>
+            <a:r>
+              <a:rPr lang="zh-CN" altLang="en-US" sz="1500" dirty="0" err="1" smtClean="0">
+                <a:solidFill>
+                  <a:srgbClr val="404040"/>
+                </a:solidFill>
+                <a:latin typeface="微软雅黑"/>
+                <a:ea typeface="微软雅黑"/>
+                <a:cs typeface="微软雅黑"/>
+              </a:rPr>
+              <a:t>。</a:t>
+            </a:r>
+          </a:p>
+        </p:txBody>
+      </p:sp>
+      <p:sp>
+        <p:nvSpPr>
+          <p:cNvPr id="8" name="矩形 7"/>
+          <p:cNvSpPr/>
+          <p:nvPr/>
+        </p:nvSpPr>
+        <p:spPr>
+          <a:xfrm>
+            <a:off x="285720" y="3541126"/>
+            <a:ext cx="6643734" cy="1428083"/>
+          </a:xfrm>
+          <a:prstGeom prst="rect">
+            <a:avLst/>
+          </a:prstGeom>
+        </p:spPr>
+        <p:txBody>
+          <a:bodyPr wrap="square">
+            <a:spAutoFit/>
+          </a:bodyPr>
+          <a:lstStyle/>
+          <a:p>
+            <a:pPr>
+              <a:lnSpc>
+                <a:spcPct val="140000"/>
+              </a:lnSpc>
+            </a:pPr>
+            <a:r>
+              <a:rPr lang="zh-CN" altLang="en-US" sz="1500" b="1" dirty="0" smtClean="0">
+                <a:solidFill>
+                  <a:srgbClr val="404040"/>
+                </a:solidFill>
+                <a:latin typeface="微软雅黑"/>
+                <a:ea typeface="微软雅黑"/>
+                <a:cs typeface="微软雅黑"/>
+              </a:rPr>
+              <a:t>网络原因无法安装</a:t>
+            </a:r>
+            <a:r>
+              <a:rPr lang="en-US" altLang="en-US" sz="1500" b="1" dirty="0" smtClean="0">
+                <a:solidFill>
+                  <a:srgbClr val="404040"/>
+                </a:solidFill>
+                <a:latin typeface="微软雅黑"/>
+                <a:ea typeface="微软雅黑"/>
+                <a:cs typeface="微软雅黑"/>
+              </a:rPr>
+              <a:t>react</a:t>
+            </a:r>
+            <a:r>
+              <a:rPr lang="zh-CN" altLang="en-US" sz="1500" b="1" dirty="0" smtClean="0">
+                <a:solidFill>
+                  <a:srgbClr val="404040"/>
+                </a:solidFill>
+                <a:latin typeface="微软雅黑"/>
+                <a:ea typeface="微软雅黑"/>
+                <a:cs typeface="微软雅黑"/>
+              </a:rPr>
+              <a:t>环境</a:t>
+            </a:r>
+            <a:r>
+              <a:rPr lang="en-US" altLang="zh-CN" sz="1500" b="1" dirty="0" smtClean="0">
+                <a:solidFill>
+                  <a:srgbClr val="404040"/>
+                </a:solidFill>
+                <a:latin typeface="微软雅黑"/>
+                <a:ea typeface="微软雅黑"/>
+                <a:cs typeface="微软雅黑"/>
+              </a:rPr>
+              <a:t>(</a:t>
+            </a:r>
+            <a:r>
+              <a:rPr lang="zh-CN" altLang="en-US" sz="1500" b="1" dirty="0" smtClean="0">
+                <a:solidFill>
+                  <a:srgbClr val="404040"/>
+                </a:solidFill>
+                <a:latin typeface="微软雅黑"/>
+                <a:ea typeface="微软雅黑"/>
+                <a:cs typeface="微软雅黑"/>
+              </a:rPr>
+              <a:t>家里</a:t>
+            </a:r>
+            <a:r>
+              <a:rPr lang="en-US" altLang="zh-CN" sz="1500" b="1" dirty="0" smtClean="0">
+                <a:solidFill>
+                  <a:srgbClr val="404040"/>
+                </a:solidFill>
+                <a:latin typeface="微软雅黑"/>
+                <a:ea typeface="微软雅黑"/>
+                <a:cs typeface="微软雅黑"/>
+              </a:rPr>
+              <a:t>)</a:t>
+            </a:r>
+            <a:r>
+              <a:rPr lang="zh-CN" altLang="en-US" sz="1500" b="1" dirty="0" smtClean="0">
+                <a:solidFill>
+                  <a:srgbClr val="404040"/>
+                </a:solidFill>
+                <a:latin typeface="微软雅黑"/>
+                <a:ea typeface="微软雅黑"/>
+                <a:cs typeface="微软雅黑"/>
+              </a:rPr>
+              <a:t>：</a:t>
+            </a:r>
+          </a:p>
+          <a:p>
+            <a:pPr>
+              <a:lnSpc>
+                <a:spcPct val="140000"/>
+              </a:lnSpc>
+            </a:pPr>
+            <a:r>
+              <a:rPr lang="zh-CN" altLang="en-US" sz="1500" dirty="0" err="1" smtClean="0">
+                <a:solidFill>
+                  <a:srgbClr val="404040"/>
+                </a:solidFill>
+                <a:latin typeface="微软雅黑"/>
+                <a:ea typeface="微软雅黑"/>
+                <a:cs typeface="微软雅黑"/>
+              </a:rPr>
+              <a:t>命令行安装</a:t>
+            </a:r>
+            <a:r>
+              <a:rPr lang="en-US" altLang="en-US" sz="1500" dirty="0" err="1" smtClean="0">
+                <a:solidFill>
+                  <a:srgbClr val="404040"/>
+                </a:solidFill>
+                <a:latin typeface="微软雅黑"/>
+                <a:ea typeface="微软雅黑"/>
+                <a:cs typeface="微软雅黑"/>
+              </a:rPr>
+              <a:t>cnpm，</a:t>
+            </a:r>
+            <a:r>
+              <a:rPr lang="zh-CN" altLang="en-US" sz="1500" dirty="0" err="1" smtClean="0">
+                <a:solidFill>
+                  <a:srgbClr val="404040"/>
+                </a:solidFill>
+                <a:latin typeface="微软雅黑"/>
+                <a:ea typeface="微软雅黑"/>
+                <a:cs typeface="微软雅黑"/>
+              </a:rPr>
+              <a:t>切换</a:t>
+            </a:r>
+            <a:r>
+              <a:rPr lang="en-US" altLang="en-US" sz="1500" dirty="0" err="1" smtClean="0">
+                <a:solidFill>
+                  <a:srgbClr val="404040"/>
+                </a:solidFill>
+                <a:latin typeface="微软雅黑"/>
+                <a:ea typeface="微软雅黑"/>
+                <a:cs typeface="微软雅黑"/>
+              </a:rPr>
+              <a:t>npm</a:t>
+            </a:r>
+            <a:r>
+              <a:rPr lang="zh-CN" altLang="en-US" sz="1500" dirty="0" smtClean="0">
+                <a:solidFill>
+                  <a:srgbClr val="404040"/>
+                </a:solidFill>
+                <a:latin typeface="微软雅黑"/>
+                <a:ea typeface="微软雅黑"/>
+                <a:cs typeface="微软雅黑"/>
+              </a:rPr>
+              <a:t>为国内镜像</a:t>
+            </a:r>
+            <a:endParaRPr lang="en-US" altLang="zh-CN" sz="1500" dirty="0" smtClean="0">
+              <a:solidFill>
+                <a:srgbClr val="404040"/>
+              </a:solidFill>
+              <a:latin typeface="微软雅黑"/>
+              <a:ea typeface="微软雅黑"/>
+              <a:cs typeface="微软雅黑"/>
+            </a:endParaRPr>
+          </a:p>
+          <a:p>
+            <a:pPr>
+              <a:lnSpc>
+                <a:spcPct val="140000"/>
+              </a:lnSpc>
+            </a:pPr>
+            <a:r>
+              <a:rPr lang="en-US" altLang="en-US" sz="1500" dirty="0" err="1" smtClean="0">
+                <a:solidFill>
+                  <a:srgbClr val="404040"/>
+                </a:solidFill>
+                <a:latin typeface="微软雅黑"/>
+                <a:ea typeface="微软雅黑"/>
+                <a:cs typeface="微软雅黑"/>
+              </a:rPr>
+              <a:t>npm</a:t>
+            </a:r>
+            <a:r>
+              <a:rPr lang="en-US" altLang="en-US" sz="1500" dirty="0" smtClean="0">
+                <a:solidFill>
+                  <a:srgbClr val="404040"/>
+                </a:solidFill>
+                <a:latin typeface="微软雅黑"/>
+                <a:ea typeface="微软雅黑"/>
+                <a:cs typeface="微软雅黑"/>
+              </a:rPr>
+              <a:t> install </a:t>
+            </a:r>
+            <a:r>
+              <a:rPr lang="en-US" altLang="en-US" sz="1500" dirty="0" err="1" smtClean="0">
+                <a:solidFill>
+                  <a:srgbClr val="404040"/>
+                </a:solidFill>
+                <a:latin typeface="微软雅黑"/>
+                <a:ea typeface="微软雅黑"/>
+                <a:cs typeface="微软雅黑"/>
+              </a:rPr>
+              <a:t>cnpm</a:t>
+            </a:r>
+            <a:r>
+              <a:rPr lang="en-US" altLang="en-US" sz="1500" dirty="0" smtClean="0">
+                <a:solidFill>
+                  <a:srgbClr val="404040"/>
+                </a:solidFill>
+                <a:latin typeface="微软雅黑"/>
+                <a:ea typeface="微软雅黑"/>
+                <a:cs typeface="微软雅黑"/>
+              </a:rPr>
+              <a:t> -g --registry=https://registry.npm.taobao.org</a:t>
+            </a:r>
+          </a:p>
+          <a:p>
+            <a:pPr>
+              <a:lnSpc>
+                <a:spcPct val="140000"/>
+              </a:lnSpc>
+            </a:pPr>
+            <a:r>
+              <a:rPr lang="zh-CN" altLang="en-US" sz="1500" dirty="0" smtClean="0">
+                <a:solidFill>
+                  <a:srgbClr val="404040"/>
+                </a:solidFill>
+                <a:latin typeface="微软雅黑"/>
+                <a:ea typeface="微软雅黑"/>
+                <a:cs typeface="微软雅黑"/>
+              </a:rPr>
+              <a:t>注：</a:t>
+            </a:r>
+            <a:r>
+              <a:rPr lang="en-US" altLang="zh-CN" sz="1500" dirty="0" err="1" smtClean="0">
+                <a:solidFill>
+                  <a:srgbClr val="404040"/>
+                </a:solidFill>
+                <a:latin typeface="微软雅黑"/>
+                <a:ea typeface="微软雅黑"/>
+                <a:cs typeface="微软雅黑"/>
+              </a:rPr>
+              <a:t>cnpm</a:t>
+            </a:r>
+            <a:r>
+              <a:rPr lang="zh-CN" altLang="en-US" sz="1500" dirty="0" smtClean="0">
+                <a:solidFill>
+                  <a:srgbClr val="404040"/>
+                </a:solidFill>
+                <a:latin typeface="微软雅黑"/>
+                <a:ea typeface="微软雅黑"/>
+                <a:cs typeface="微软雅黑"/>
+              </a:rPr>
+              <a:t>跟</a:t>
+            </a:r>
+            <a:r>
+              <a:rPr lang="en-US" altLang="zh-CN" sz="1500" dirty="0" err="1" smtClean="0">
+                <a:solidFill>
+                  <a:srgbClr val="404040"/>
+                </a:solidFill>
+                <a:latin typeface="微软雅黑"/>
+                <a:ea typeface="微软雅黑"/>
+                <a:cs typeface="微软雅黑"/>
+              </a:rPr>
+              <a:t>npm</a:t>
+            </a:r>
+            <a:r>
+              <a:rPr lang="zh-CN" altLang="en-US" sz="1500" dirty="0" smtClean="0">
+                <a:solidFill>
+                  <a:srgbClr val="404040"/>
+                </a:solidFill>
+                <a:latin typeface="微软雅黑"/>
+                <a:ea typeface="微软雅黑"/>
+                <a:cs typeface="微软雅黑"/>
+              </a:rPr>
+              <a:t>用法完全一致，只是在执行命令时将</a:t>
+            </a:r>
+            <a:r>
+              <a:rPr lang="en-US" altLang="zh-CN" sz="1500" dirty="0" err="1" smtClean="0">
+                <a:solidFill>
+                  <a:srgbClr val="404040"/>
+                </a:solidFill>
+                <a:latin typeface="微软雅黑"/>
+                <a:ea typeface="微软雅黑"/>
+                <a:cs typeface="微软雅黑"/>
+              </a:rPr>
+              <a:t>npm</a:t>
+            </a:r>
+            <a:r>
+              <a:rPr lang="zh-CN" altLang="en-US" sz="1500" dirty="0" smtClean="0">
+                <a:solidFill>
+                  <a:srgbClr val="404040"/>
+                </a:solidFill>
+                <a:latin typeface="微软雅黑"/>
+                <a:ea typeface="微软雅黑"/>
+                <a:cs typeface="微软雅黑"/>
+              </a:rPr>
+              <a:t>改为</a:t>
+            </a:r>
+            <a:r>
+              <a:rPr lang="en-US" altLang="zh-CN" sz="1500" dirty="0" err="1" smtClean="0">
+                <a:solidFill>
+                  <a:srgbClr val="404040"/>
+                </a:solidFill>
+                <a:latin typeface="微软雅黑"/>
+                <a:ea typeface="微软雅黑"/>
+                <a:cs typeface="微软雅黑"/>
+              </a:rPr>
+              <a:t>cnpm</a:t>
+            </a:r>
+            <a:endParaRPr lang="zh-CN" altLang="en-US" sz="1500" dirty="0" err="1" smtClean="0">
+              <a:solidFill>
+                <a:srgbClr val="404040"/>
+              </a:solidFill>
+              <a:latin typeface="微软雅黑"/>
+              <a:ea typeface="微软雅黑"/>
+              <a:cs typeface="微软雅黑"/>
+            </a:endParaRPr>
+          </a:p>
+        </p:txBody>
+      </p:sp>
+      <p:sp>
+        <p:nvSpPr>
+          <p:cNvPr id="9" name="矩形 8"/>
+          <p:cNvSpPr/>
+          <p:nvPr/>
+        </p:nvSpPr>
+        <p:spPr>
+          <a:xfrm>
+            <a:off x="285720" y="5000636"/>
+            <a:ext cx="8572560" cy="1708160"/>
+          </a:xfrm>
+          <a:prstGeom prst="rect">
+            <a:avLst/>
+          </a:prstGeom>
+        </p:spPr>
+        <p:txBody>
+          <a:bodyPr wrap="square">
+            <a:spAutoFit/>
+          </a:bodyPr>
+          <a:lstStyle/>
+          <a:p>
+            <a:pPr>
+              <a:lnSpc>
+                <a:spcPct val="140000"/>
+              </a:lnSpc>
+            </a:pPr>
+            <a:r>
+              <a:rPr lang="zh-CN" altLang="en-US" sz="1500" b="1" dirty="0" smtClean="0">
+                <a:solidFill>
+                  <a:srgbClr val="404040"/>
+                </a:solidFill>
+                <a:latin typeface="微软雅黑"/>
+                <a:ea typeface="微软雅黑"/>
+                <a:cs typeface="微软雅黑"/>
+              </a:rPr>
+              <a:t>网络原因无法安装</a:t>
+            </a:r>
+            <a:r>
+              <a:rPr lang="en-US" altLang="zh-CN" sz="1500" b="1" dirty="0" smtClean="0">
+                <a:solidFill>
+                  <a:srgbClr val="404040"/>
+                </a:solidFill>
+                <a:latin typeface="微软雅黑"/>
+                <a:ea typeface="微软雅黑"/>
+                <a:cs typeface="微软雅黑"/>
+              </a:rPr>
+              <a:t>react</a:t>
+            </a:r>
+            <a:r>
+              <a:rPr lang="zh-CN" altLang="en-US" sz="1500" b="1" dirty="0" smtClean="0">
+                <a:solidFill>
+                  <a:srgbClr val="404040"/>
+                </a:solidFill>
+                <a:latin typeface="微软雅黑"/>
+                <a:ea typeface="微软雅黑"/>
+                <a:cs typeface="微软雅黑"/>
+              </a:rPr>
+              <a:t>环境</a:t>
+            </a:r>
+            <a:r>
+              <a:rPr lang="en-US" altLang="zh-CN" sz="1500" b="1" dirty="0" smtClean="0">
+                <a:solidFill>
+                  <a:srgbClr val="404040"/>
+                </a:solidFill>
+                <a:latin typeface="微软雅黑"/>
+                <a:ea typeface="微软雅黑"/>
+                <a:cs typeface="微软雅黑"/>
+              </a:rPr>
+              <a:t>(</a:t>
+            </a:r>
+            <a:r>
+              <a:rPr lang="zh-CN" altLang="en-US" sz="1500" b="1" dirty="0" smtClean="0">
+                <a:solidFill>
+                  <a:srgbClr val="404040"/>
+                </a:solidFill>
+                <a:latin typeface="微软雅黑"/>
+                <a:ea typeface="微软雅黑"/>
+                <a:cs typeface="微软雅黑"/>
+              </a:rPr>
+              <a:t>南航</a:t>
+            </a:r>
+            <a:r>
+              <a:rPr lang="en-US" altLang="zh-CN" sz="1500" b="1" dirty="0" smtClean="0">
+                <a:solidFill>
+                  <a:srgbClr val="404040"/>
+                </a:solidFill>
+                <a:latin typeface="微软雅黑"/>
+                <a:ea typeface="微软雅黑"/>
+                <a:cs typeface="微软雅黑"/>
+              </a:rPr>
+              <a:t>)</a:t>
+            </a:r>
+            <a:r>
+              <a:rPr lang="zh-CN" altLang="en-US" sz="1500" b="1" dirty="0" smtClean="0">
+                <a:solidFill>
+                  <a:srgbClr val="404040"/>
+                </a:solidFill>
+                <a:latin typeface="微软雅黑"/>
+                <a:ea typeface="微软雅黑"/>
+                <a:cs typeface="微软雅黑"/>
+              </a:rPr>
+              <a:t>：</a:t>
+            </a:r>
+          </a:p>
+          <a:p>
+            <a:pPr>
+              <a:lnSpc>
+                <a:spcPct val="140000"/>
+              </a:lnSpc>
+            </a:pPr>
+            <a:r>
+              <a:rPr lang="en-US" altLang="zh-CN" sz="1500" dirty="0" err="1" smtClean="0">
+                <a:solidFill>
+                  <a:srgbClr val="404040"/>
+                </a:solidFill>
+                <a:latin typeface="微软雅黑"/>
+                <a:ea typeface="微软雅黑"/>
+                <a:cs typeface="微软雅黑"/>
+              </a:rPr>
+              <a:t>1</a:t>
+            </a:r>
+            <a:r>
+              <a:rPr lang="zh-CN" altLang="en-US" sz="1500" dirty="0" err="1" smtClean="0">
+                <a:solidFill>
+                  <a:srgbClr val="404040"/>
+                </a:solidFill>
+                <a:latin typeface="微软雅黑"/>
+                <a:ea typeface="微软雅黑"/>
+                <a:cs typeface="微软雅黑"/>
+              </a:rPr>
+              <a:t>、在家电脑上安装好开发环境。</a:t>
+            </a:r>
+          </a:p>
+          <a:p>
+            <a:pPr>
+              <a:lnSpc>
+                <a:spcPct val="140000"/>
+              </a:lnSpc>
+            </a:pPr>
+            <a:r>
+              <a:rPr lang="en-US" altLang="zh-CN" sz="1500" dirty="0" err="1" smtClean="0">
+                <a:solidFill>
+                  <a:srgbClr val="404040"/>
+                </a:solidFill>
+                <a:latin typeface="微软雅黑"/>
+                <a:ea typeface="微软雅黑"/>
+                <a:cs typeface="微软雅黑"/>
+              </a:rPr>
+              <a:t>2</a:t>
+            </a:r>
+            <a:r>
+              <a:rPr lang="zh-CN" altLang="en-US" sz="1500" dirty="0" err="1" smtClean="0">
+                <a:solidFill>
+                  <a:srgbClr val="404040"/>
+                </a:solidFill>
+                <a:latin typeface="微软雅黑"/>
+                <a:ea typeface="微软雅黑"/>
+                <a:cs typeface="微软雅黑"/>
+              </a:rPr>
+              <a:t>、复制家里电脑上的项目所有文件。</a:t>
+            </a:r>
+          </a:p>
+          <a:p>
+            <a:pPr>
+              <a:lnSpc>
+                <a:spcPct val="140000"/>
+              </a:lnSpc>
+            </a:pPr>
+            <a:r>
+              <a:rPr lang="en-US" altLang="zh-CN" sz="1500" dirty="0" err="1" smtClean="0">
+                <a:solidFill>
+                  <a:srgbClr val="404040"/>
+                </a:solidFill>
+                <a:latin typeface="微软雅黑"/>
+                <a:ea typeface="微软雅黑"/>
+                <a:cs typeface="微软雅黑"/>
+              </a:rPr>
+              <a:t>3</a:t>
+            </a:r>
+            <a:r>
+              <a:rPr lang="zh-CN" altLang="en-US" sz="1500" dirty="0" smtClean="0">
+                <a:solidFill>
+                  <a:srgbClr val="404040"/>
+                </a:solidFill>
+                <a:latin typeface="微软雅黑"/>
+                <a:ea typeface="微软雅黑"/>
+                <a:cs typeface="微软雅黑"/>
+              </a:rPr>
+              <a:t>、复制家里电脑上的</a:t>
+            </a:r>
+            <a:r>
+              <a:rPr lang="en-US" altLang="zh-CN" sz="1500" dirty="0" smtClean="0">
+                <a:solidFill>
+                  <a:srgbClr val="404040"/>
+                </a:solidFill>
+                <a:latin typeface="微软雅黑"/>
+                <a:ea typeface="微软雅黑"/>
+                <a:cs typeface="微软雅黑"/>
+              </a:rPr>
+              <a:t>c:\Users\QQQQQQQQQ\AppData\Roaming\npm</a:t>
+            </a:r>
+            <a:r>
+              <a:rPr lang="zh-CN" altLang="en-US" sz="1500" dirty="0" err="1" smtClean="0">
+                <a:solidFill>
+                  <a:srgbClr val="404040"/>
+                </a:solidFill>
+                <a:latin typeface="微软雅黑"/>
+                <a:ea typeface="微软雅黑"/>
+                <a:cs typeface="微软雅黑"/>
+              </a:rPr>
+              <a:t>整个目录。</a:t>
+            </a:r>
+          </a:p>
+          <a:p>
+            <a:pPr>
+              <a:lnSpc>
+                <a:spcPct val="140000"/>
+              </a:lnSpc>
+            </a:pPr>
+            <a:r>
+              <a:rPr lang="en-US" altLang="zh-CN" sz="1500" dirty="0" err="1" smtClean="0">
+                <a:solidFill>
+                  <a:srgbClr val="404040"/>
+                </a:solidFill>
+                <a:latin typeface="微软雅黑"/>
+                <a:ea typeface="微软雅黑"/>
+                <a:cs typeface="微软雅黑"/>
+              </a:rPr>
+              <a:t>4</a:t>
+            </a:r>
+            <a:r>
+              <a:rPr lang="zh-CN" altLang="en-US" sz="1500" dirty="0" err="1" smtClean="0">
+                <a:solidFill>
+                  <a:srgbClr val="404040"/>
+                </a:solidFill>
+                <a:latin typeface="微软雅黑"/>
+                <a:ea typeface="微软雅黑"/>
+                <a:cs typeface="微软雅黑"/>
+              </a:rPr>
+              <a:t>、粘贴到南航电脑上相应目录。</a:t>
+            </a:r>
           </a:p>
         </p:txBody>
       </p:sp>
@@ -9387,7 +10329,7 @@
         </p:nvSpPr>
         <p:spPr>
           <a:xfrm>
-            <a:off x="428596" y="2357430"/>
+            <a:off x="500034" y="2357430"/>
             <a:ext cx="8229600" cy="1143000"/>
           </a:xfrm>
         </p:spPr>
@@ -9404,7 +10346,7 @@
               <a:defRPr/>
             </a:pPr>
             <a:r>
-              <a:rPr lang="zh-CN" altLang="en-US" sz="5400" b="1" dirty="0" smtClean="0">
+              <a:rPr lang="zh-CN" altLang="en-US" sz="6600" b="1" dirty="0" smtClean="0">
                 <a:solidFill>
                   <a:srgbClr val="F50A64"/>
                 </a:solidFill>
@@ -9435,7 +10377,7 @@
         </p:nvSpPr>
         <p:spPr>
           <a:xfrm>
-            <a:off x="2643174" y="3786190"/>
+            <a:off x="71406" y="5786454"/>
             <a:ext cx="4714908" cy="928694"/>
           </a:xfrm>
         </p:spPr>
@@ -9462,13 +10404,39 @@
           <a:p>
             <a:pPr marL="742950" lvl="2" indent="-342900" eaLnBrk="1" hangingPunct="1"/>
             <a:r>
+              <a:rPr lang="zh-CN" altLang="en-US" sz="1600" dirty="0" smtClean="0">
+                <a:latin typeface="微软雅黑"/>
+                <a:ea typeface="微软雅黑"/>
+                <a:cs typeface="微软雅黑"/>
+              </a:rPr>
+              <a:t>源码 </a:t>
+            </a:r>
+            <a:r>
               <a:rPr lang="en-US" altLang="zh-CN" sz="1600" dirty="0" smtClean="0">
                 <a:latin typeface="微软雅黑"/>
                 <a:ea typeface="微软雅黑"/>
                 <a:cs typeface="微软雅黑"/>
-                <a:hlinkClick r:id="rId2"/>
-              </a:rPr>
-              <a:t>https://github.com/weianzi</a:t>
+                <a:hlinkClick r:id="rId3"/>
+              </a:rPr>
+              <a:t>https</a:t>
+            </a:r>
+            <a:r>
+              <a:rPr lang="en-US" altLang="zh-CN" sz="1600" dirty="0" smtClean="0">
+                <a:latin typeface="微软雅黑"/>
+                <a:ea typeface="微软雅黑"/>
+                <a:cs typeface="微软雅黑"/>
+                <a:hlinkClick r:id="rId3"/>
+              </a:rPr>
+              <a:t>://</a:t>
+            </a:r>
+            <a:r>
+              <a:rPr lang="en-US" altLang="zh-CN" sz="1600" dirty="0" smtClean="0">
+                <a:latin typeface="微软雅黑"/>
+                <a:ea typeface="微软雅黑"/>
+                <a:cs typeface="微软雅黑"/>
+                <a:hlinkClick r:id="rId3"/>
+              </a:rPr>
+              <a:t>github.com/weianzi/ES6</a:t>
             </a:r>
             <a:endParaRPr lang="en-US" altLang="zh-CN" sz="1600" dirty="0" smtClean="0">
               <a:latin typeface="微软雅黑"/>
@@ -10748,8 +11716,8 @@
         </p:blipFill>
         <p:spPr bwMode="auto">
           <a:xfrm>
-            <a:off x="214281" y="2786058"/>
-            <a:ext cx="5000661" cy="1757198"/>
+            <a:off x="71406" y="2643182"/>
+            <a:ext cx="5692381" cy="2000264"/>
           </a:xfrm>
           <a:prstGeom prst="rect">
             <a:avLst/>
@@ -10854,7 +11822,7 @@
         </p:blipFill>
         <p:spPr bwMode="auto">
           <a:xfrm>
-            <a:off x="5500694" y="3500438"/>
+            <a:off x="5643570" y="3643314"/>
             <a:ext cx="3352800" cy="1038225"/>
           </a:xfrm>
           <a:prstGeom prst="rect">
@@ -11678,7 +12646,7 @@
         <p:spPr bwMode="auto">
           <a:xfrm>
             <a:off x="-142908" y="2643182"/>
-            <a:ext cx="9072626" cy="2000264"/>
+            <a:ext cx="9072626" cy="2214578"/>
           </a:xfrm>
           <a:prstGeom prst="rect">
             <a:avLst/>
@@ -11700,6 +12668,9 @@
           <a:lstStyle/>
           <a:p>
             <a:pPr marL="742950" lvl="2" indent="-342900">
+              <a:lnSpc>
+                <a:spcPct val="120000"/>
+              </a:lnSpc>
               <a:spcBef>
                 <a:spcPct val="20000"/>
               </a:spcBef>
@@ -11740,6 +12711,9 @@
           </a:p>
           <a:p>
             <a:pPr marL="742950" lvl="2" indent="-342900">
+              <a:lnSpc>
+                <a:spcPct val="120000"/>
+              </a:lnSpc>
               <a:spcBef>
                 <a:spcPct val="20000"/>
               </a:spcBef>
@@ -11780,6 +12754,9 @@
           </a:p>
           <a:p>
             <a:pPr marL="742950" lvl="2" indent="-342900">
+              <a:lnSpc>
+                <a:spcPct val="120000"/>
+              </a:lnSpc>
               <a:spcBef>
                 <a:spcPct val="20000"/>
               </a:spcBef>
@@ -11796,7 +12773,62 @@
                 <a:ea typeface="微软雅黑"/>
                 <a:cs typeface="微软雅黑"/>
               </a:rPr>
-              <a:t>但对于复合类型的数据（主要是对象和数组），变量指向的内存地址，保存的只是一个指针。</a:t>
+              <a:t>但对于复合类型的数据（</a:t>
+            </a:r>
+            <a:r>
+              <a:rPr lang="zh-CN" altLang="en-US" dirty="0" smtClean="0">
+                <a:solidFill>
+                  <a:srgbClr val="404040"/>
+                </a:solidFill>
+                <a:latin typeface="微软雅黑"/>
+                <a:ea typeface="微软雅黑"/>
+                <a:cs typeface="微软雅黑"/>
+              </a:rPr>
+              <a:t>主要</a:t>
+            </a:r>
+            <a:r>
+              <a:rPr lang="zh-CN" altLang="en-US" dirty="0" smtClean="0">
+                <a:solidFill>
+                  <a:srgbClr val="404040"/>
+                </a:solidFill>
+                <a:latin typeface="微软雅黑"/>
+                <a:ea typeface="微软雅黑"/>
+                <a:cs typeface="微软雅黑"/>
+              </a:rPr>
+              <a:t>是对象和数组），变量指向的内存地址，保存的只是一个指针</a:t>
+            </a:r>
+            <a:r>
+              <a:rPr lang="zh-CN" altLang="en-US" dirty="0" smtClean="0">
+                <a:solidFill>
+                  <a:srgbClr val="404040"/>
+                </a:solidFill>
+                <a:latin typeface="微软雅黑"/>
+                <a:ea typeface="微软雅黑"/>
+                <a:cs typeface="微软雅黑"/>
+              </a:rPr>
+              <a:t>。</a:t>
+            </a:r>
+            <a:r>
+              <a:rPr lang="en-US" altLang="zh-CN" dirty="0" smtClean="0">
+                <a:solidFill>
+                  <a:srgbClr val="FF0000"/>
+                </a:solidFill>
+                <a:latin typeface="微软雅黑"/>
+                <a:ea typeface="微软雅黑"/>
+                <a:cs typeface="微软雅黑"/>
+              </a:rPr>
+              <a:t>const</a:t>
+            </a:r>
+            <a:r>
+              <a:rPr lang="zh-CN" altLang="en-US" dirty="0" smtClean="0">
+                <a:solidFill>
+                  <a:srgbClr val="FF0000"/>
+                </a:solidFill>
+                <a:latin typeface="微软雅黑"/>
+                <a:ea typeface="微软雅黑"/>
+                <a:cs typeface="微软雅黑"/>
+              </a:rPr>
+              <a:t>仅表示这个变量不能被再将赋值，但并不表示变量是对象、数组时其内容不能改变。 </a:t>
             </a:r>
           </a:p>
         </p:txBody>
@@ -11818,7 +12850,7 @@
         </p:blipFill>
         <p:spPr bwMode="auto">
           <a:xfrm>
-            <a:off x="285720" y="4786322"/>
+            <a:off x="357158" y="5286388"/>
             <a:ext cx="4486275" cy="1390650"/>
           </a:xfrm>
           <a:prstGeom prst="rect">
@@ -11851,7 +12883,7 @@
         </p:blipFill>
         <p:spPr bwMode="auto">
           <a:xfrm>
-            <a:off x="5357818" y="4786322"/>
+            <a:off x="5143504" y="5286388"/>
             <a:ext cx="3429000" cy="1390650"/>
           </a:xfrm>
           <a:prstGeom prst="rect">

--- a/ES6.pptx
+++ b/ES6.pptx
@@ -5,7 +5,7 @@
     <p:sldMasterId id="2147483648" r:id="rId1"/>
   </p:sldMasterIdLst>
   <p:notesMasterIdLst>
-    <p:notesMasterId r:id="rId19"/>
+    <p:notesMasterId r:id="rId21"/>
   </p:notesMasterIdLst>
   <p:sldIdLst>
     <p:sldId id="256" r:id="rId2"/>
@@ -23,8 +23,10 @@
     <p:sldId id="288" r:id="rId14"/>
     <p:sldId id="280" r:id="rId15"/>
     <p:sldId id="282" r:id="rId16"/>
-    <p:sldId id="283" r:id="rId17"/>
-    <p:sldId id="287" r:id="rId18"/>
+    <p:sldId id="291" r:id="rId17"/>
+    <p:sldId id="283" r:id="rId18"/>
+    <p:sldId id="290" r:id="rId19"/>
+    <p:sldId id="287" r:id="rId20"/>
   </p:sldIdLst>
   <p:sldSz cx="9144000" cy="6858000" type="screen4x3"/>
   <p:notesSz cx="6858000" cy="9144000"/>
@@ -265,7 +267,7 @@
               <a:pPr>
                 <a:defRPr/>
               </a:pPr>
-              <a:t>2017/3/22</a:t>
+              <a:t>17/3/26</a:t>
             </a:fld>
             <a:endParaRPr lang="zh-CN" altLang="en-US"/>
           </a:p>
@@ -461,6 +463,11 @@
         </p:txBody>
       </p:sp>
     </p:spTree>
+    <p:extLst>
+      <p:ext uri="{BB962C8B-B14F-4D97-AF65-F5344CB8AC3E}">
+        <p14:creationId xmlns:p14="http://schemas.microsoft.com/office/powerpoint/2010/main" val="80224001"/>
+      </p:ext>
+    </p:extLst>
   </p:cSld>
   <p:clrMap bg1="lt1" tx1="dk1" bg2="lt2" tx2="dk2" accent1="accent1" accent2="accent2" accent3="accent3" accent4="accent4" accent5="accent5" accent6="accent6" hlink="hlink" folHlink="folHlink"/>
   <p:notesStyle>
@@ -779,7 +786,7 @@
               <a:pPr>
                 <a:defRPr/>
               </a:pPr>
-              <a:t>2017/3/22</a:t>
+              <a:t>17/3/26</a:t>
             </a:fld>
             <a:endParaRPr lang="zh-CN" altLang="en-US"/>
           </a:p>
@@ -849,7 +856,7 @@
   <p:clrMapOvr>
     <a:masterClrMapping/>
   </p:clrMapOvr>
-  <p:transition spd="slow">
+  <p:transition xmlns:p14="http://schemas.microsoft.com/office/powerpoint/2010/main" spd="slow">
     <p:fade/>
   </p:transition>
 </p:sldLayout>
@@ -974,7 +981,7 @@
               <a:pPr>
                 <a:defRPr/>
               </a:pPr>
-              <a:t>2017/3/22</a:t>
+              <a:t>17/3/26</a:t>
             </a:fld>
             <a:endParaRPr lang="zh-CN" altLang="en-US"/>
           </a:p>
@@ -1044,7 +1051,7 @@
   <p:clrMapOvr>
     <a:masterClrMapping/>
   </p:clrMapOvr>
-  <p:transition spd="slow">
+  <p:transition xmlns:p14="http://schemas.microsoft.com/office/powerpoint/2010/main" spd="slow">
     <p:fade/>
   </p:transition>
 </p:sldLayout>
@@ -1179,7 +1186,7 @@
               <a:pPr>
                 <a:defRPr/>
               </a:pPr>
-              <a:t>2017/3/22</a:t>
+              <a:t>17/3/26</a:t>
             </a:fld>
             <a:endParaRPr lang="zh-CN" altLang="en-US"/>
           </a:p>
@@ -1249,7 +1256,7 @@
   <p:clrMapOvr>
     <a:masterClrMapping/>
   </p:clrMapOvr>
-  <p:transition spd="slow">
+  <p:transition xmlns:p14="http://schemas.microsoft.com/office/powerpoint/2010/main" spd="slow">
     <p:fade/>
   </p:transition>
 </p:sldLayout>
@@ -1374,7 +1381,7 @@
               <a:pPr>
                 <a:defRPr/>
               </a:pPr>
-              <a:t>2017/3/22</a:t>
+              <a:t>17/3/26</a:t>
             </a:fld>
             <a:endParaRPr lang="zh-CN" altLang="en-US"/>
           </a:p>
@@ -1444,7 +1451,7 @@
   <p:clrMapOvr>
     <a:masterClrMapping/>
   </p:clrMapOvr>
-  <p:transition spd="slow">
+  <p:transition xmlns:p14="http://schemas.microsoft.com/office/powerpoint/2010/main" spd="slow">
     <p:fade/>
   </p:transition>
 </p:sldLayout>
@@ -1645,7 +1652,7 @@
               <a:pPr>
                 <a:defRPr/>
               </a:pPr>
-              <a:t>2017/3/22</a:t>
+              <a:t>17/3/26</a:t>
             </a:fld>
             <a:endParaRPr lang="zh-CN" altLang="en-US"/>
           </a:p>
@@ -1715,7 +1722,7 @@
   <p:clrMapOvr>
     <a:masterClrMapping/>
   </p:clrMapOvr>
-  <p:transition spd="slow">
+  <p:transition xmlns:p14="http://schemas.microsoft.com/office/powerpoint/2010/main" spd="slow">
     <p:fade/>
   </p:transition>
 </p:sldLayout>
@@ -1958,7 +1965,7 @@
               <a:pPr>
                 <a:defRPr/>
               </a:pPr>
-              <a:t>2017/3/22</a:t>
+              <a:t>17/3/26</a:t>
             </a:fld>
             <a:endParaRPr lang="zh-CN" altLang="en-US"/>
           </a:p>
@@ -2028,7 +2035,7 @@
   <p:clrMapOvr>
     <a:masterClrMapping/>
   </p:clrMapOvr>
-  <p:transition spd="slow">
+  <p:transition xmlns:p14="http://schemas.microsoft.com/office/powerpoint/2010/main" spd="slow">
     <p:fade/>
   </p:transition>
 </p:sldLayout>
@@ -2405,7 +2412,7 @@
               <a:pPr>
                 <a:defRPr/>
               </a:pPr>
-              <a:t>2017/3/22</a:t>
+              <a:t>17/3/26</a:t>
             </a:fld>
             <a:endParaRPr lang="zh-CN" altLang="en-US"/>
           </a:p>
@@ -2475,7 +2482,7 @@
   <p:clrMapOvr>
     <a:masterClrMapping/>
   </p:clrMapOvr>
-  <p:transition spd="slow">
+  <p:transition xmlns:p14="http://schemas.microsoft.com/office/powerpoint/2010/main" spd="slow">
     <p:fade/>
   </p:transition>
 </p:sldLayout>
@@ -2548,7 +2555,7 @@
               <a:pPr>
                 <a:defRPr/>
               </a:pPr>
-              <a:t>2017/3/22</a:t>
+              <a:t>17/3/26</a:t>
             </a:fld>
             <a:endParaRPr lang="zh-CN" altLang="en-US"/>
           </a:p>
@@ -2618,7 +2625,7 @@
   <p:clrMapOvr>
     <a:masterClrMapping/>
   </p:clrMapOvr>
-  <p:transition spd="slow">
+  <p:transition xmlns:p14="http://schemas.microsoft.com/office/powerpoint/2010/main" spd="slow">
     <p:fade/>
   </p:transition>
 </p:sldLayout>
@@ -2668,7 +2675,7 @@
               <a:pPr>
                 <a:defRPr/>
               </a:pPr>
-              <a:t>2017/3/22</a:t>
+              <a:t>17/3/26</a:t>
             </a:fld>
             <a:endParaRPr lang="zh-CN" altLang="en-US"/>
           </a:p>
@@ -2738,7 +2745,7 @@
   <p:clrMapOvr>
     <a:masterClrMapping/>
   </p:clrMapOvr>
-  <p:transition spd="slow">
+  <p:transition xmlns:p14="http://schemas.microsoft.com/office/powerpoint/2010/main" spd="slow">
     <p:fade/>
   </p:transition>
 </p:sldLayout>
@@ -2970,7 +2977,7 @@
               <a:pPr>
                 <a:defRPr/>
               </a:pPr>
-              <a:t>2017/3/22</a:t>
+              <a:t>17/3/26</a:t>
             </a:fld>
             <a:endParaRPr lang="zh-CN" altLang="en-US"/>
           </a:p>
@@ -3040,7 +3047,7 @@
   <p:clrMapOvr>
     <a:masterClrMapping/>
   </p:clrMapOvr>
-  <p:transition spd="slow">
+  <p:transition xmlns:p14="http://schemas.microsoft.com/office/powerpoint/2010/main" spd="slow">
     <p:fade/>
   </p:transition>
 </p:sldLayout>
@@ -3251,7 +3258,7 @@
               <a:pPr>
                 <a:defRPr/>
               </a:pPr>
-              <a:t>2017/3/22</a:t>
+              <a:t>17/3/26</a:t>
             </a:fld>
             <a:endParaRPr lang="zh-CN" altLang="en-US"/>
           </a:p>
@@ -3321,7 +3328,7 @@
   <p:clrMapOvr>
     <a:masterClrMapping/>
   </p:clrMapOvr>
-  <p:transition spd="slow">
+  <p:transition xmlns:p14="http://schemas.microsoft.com/office/powerpoint/2010/main" spd="slow">
     <p:fade/>
   </p:transition>
 </p:sldLayout>
@@ -3519,7 +3526,7 @@
               <a:pPr>
                 <a:defRPr/>
               </a:pPr>
-              <a:t>2017/3/22</a:t>
+              <a:t>17/3/26</a:t>
             </a:fld>
             <a:endParaRPr lang="zh-CN" altLang="en-US"/>
           </a:p>
@@ -3644,7 +3651,7 @@
     <p:sldLayoutId id="2147483658" r:id="rId10"/>
     <p:sldLayoutId id="2147483659" r:id="rId11"/>
   </p:sldLayoutIdLst>
-  <p:transition spd="slow">
+  <p:transition xmlns:p14="http://schemas.microsoft.com/office/powerpoint/2010/main" spd="slow">
     <p:fade/>
   </p:transition>
   <p:txStyles>
@@ -4177,13 +4184,13 @@
   <p:clrMapOvr>
     <a:masterClrMapping/>
   </p:clrMapOvr>
-  <p:transition spd="slow">
+  <p:transition xmlns:p14="http://schemas.microsoft.com/office/powerpoint/2010/main" spd="slow">
     <p:fade/>
   </p:transition>
   <p:timing>
     <p:tnLst>
       <p:par>
-        <p:cTn id="1" dur="indefinite" restart="never" nodeType="tmRoot"/>
+        <p:cTn xmlns:p14="http://schemas.microsoft.com/office/powerpoint/2010/main" id="1" dur="indefinite" restart="never" nodeType="tmRoot"/>
       </p:par>
     </p:tnLst>
   </p:timing>
@@ -4466,13 +4473,13 @@
   <p:clrMapOvr>
     <a:masterClrMapping/>
   </p:clrMapOvr>
-  <p:transition spd="slow">
+  <p:transition xmlns:p14="http://schemas.microsoft.com/office/powerpoint/2010/main" spd="slow">
     <p:fade/>
   </p:transition>
   <p:timing>
     <p:tnLst>
       <p:par>
-        <p:cTn id="1" dur="indefinite" restart="never" nodeType="tmRoot">
+        <p:cTn xmlns:p14="http://schemas.microsoft.com/office/powerpoint/2010/main" id="1" dur="indefinite" restart="never" nodeType="tmRoot">
           <p:childTnLst>
             <p:seq concurrent="1" nextAc="seek">
               <p:cTn id="2" dur="indefinite" nodeType="mainSeq">
@@ -4993,13 +5000,13 @@
   <p:clrMapOvr>
     <a:masterClrMapping/>
   </p:clrMapOvr>
-  <p:transition spd="slow">
+  <p:transition xmlns:p14="http://schemas.microsoft.com/office/powerpoint/2010/main" spd="slow">
     <p:fade/>
   </p:transition>
   <p:timing>
     <p:tnLst>
       <p:par>
-        <p:cTn id="1" dur="indefinite" restart="never" nodeType="tmRoot">
+        <p:cTn xmlns:p14="http://schemas.microsoft.com/office/powerpoint/2010/main" id="1" dur="indefinite" restart="never" nodeType="tmRoot">
           <p:childTnLst>
             <p:seq concurrent="1" nextAc="seek">
               <p:cTn id="2" dur="indefinite" nodeType="mainSeq">
@@ -5451,13 +5458,13 @@
   <p:clrMapOvr>
     <a:masterClrMapping/>
   </p:clrMapOvr>
-  <p:transition spd="slow">
+  <p:transition xmlns:p14="http://schemas.microsoft.com/office/powerpoint/2010/main" spd="slow">
     <p:fade/>
   </p:transition>
   <p:timing>
     <p:tnLst>
       <p:par>
-        <p:cTn id="1" dur="indefinite" restart="never" nodeType="tmRoot">
+        <p:cTn xmlns:p14="http://schemas.microsoft.com/office/powerpoint/2010/main" id="1" dur="indefinite" restart="never" nodeType="tmRoot">
           <p:childTnLst>
             <p:seq concurrent="1" nextAc="seek">
               <p:cTn id="2" dur="indefinite" nodeType="mainSeq">
@@ -6091,13 +6098,13 @@
   <p:clrMapOvr>
     <a:masterClrMapping/>
   </p:clrMapOvr>
-  <p:transition spd="slow">
+  <p:transition xmlns:p14="http://schemas.microsoft.com/office/powerpoint/2010/main" spd="slow">
     <p:fade/>
   </p:transition>
   <p:timing>
     <p:tnLst>
       <p:par>
-        <p:cTn id="1" dur="indefinite" restart="never" nodeType="tmRoot">
+        <p:cTn xmlns:p14="http://schemas.microsoft.com/office/powerpoint/2010/main" id="1" dur="indefinite" restart="never" nodeType="tmRoot">
           <p:childTnLst>
             <p:seq concurrent="1" nextAc="seek">
               <p:cTn id="2" dur="indefinite" nodeType="mainSeq">
@@ -6527,13 +6534,13 @@
   <p:clrMapOvr>
     <a:masterClrMapping/>
   </p:clrMapOvr>
-  <p:transition spd="slow">
+  <p:transition xmlns:p14="http://schemas.microsoft.com/office/powerpoint/2010/main" spd="slow">
     <p:fade/>
   </p:transition>
   <p:timing>
     <p:tnLst>
       <p:par>
-        <p:cTn id="1" dur="indefinite" restart="never" nodeType="tmRoot">
+        <p:cTn xmlns:p14="http://schemas.microsoft.com/office/powerpoint/2010/main" id="1" dur="indefinite" restart="never" nodeType="tmRoot">
           <p:childTnLst>
             <p:seq concurrent="1" nextAc="seek">
               <p:cTn id="2" dur="indefinite" nodeType="mainSeq">
@@ -7979,13 +7986,13 @@
   <p:clrMapOvr>
     <a:masterClrMapping/>
   </p:clrMapOvr>
-  <p:transition spd="slow">
+  <p:transition xmlns:p14="http://schemas.microsoft.com/office/powerpoint/2010/main" spd="slow">
     <p:fade/>
   </p:transition>
   <p:timing>
     <p:tnLst>
       <p:par>
-        <p:cTn id="1" dur="indefinite" restart="never" nodeType="tmRoot">
+        <p:cTn xmlns:p14="http://schemas.microsoft.com/office/powerpoint/2010/main" id="1" dur="indefinite" restart="never" nodeType="tmRoot">
           <p:childTnLst>
             <p:seq concurrent="1" nextAc="seek">
               <p:cTn id="2" dur="indefinite" nodeType="mainSeq">
@@ -9210,6 +9217,125 @@
 </file>
 
 <file path=ppt/slides/slide16.xml><?xml version="1.0" encoding="utf-8"?>
+<p:sld xmlns:a="http://schemas.openxmlformats.org/drawingml/2006/main" xmlns:r="http://schemas.openxmlformats.org/officeDocument/2006/relationships" xmlns:p="http://schemas.openxmlformats.org/presentationml/2006/main">
+  <p:cSld>
+    <p:spTree>
+      <p:nvGrpSpPr>
+        <p:cNvPr id="1" name=""/>
+        <p:cNvGrpSpPr/>
+        <p:nvPr/>
+      </p:nvGrpSpPr>
+      <p:grpSpPr>
+        <a:xfrm>
+          <a:off x="0" y="0"/>
+          <a:ext cx="0" cy="0"/>
+          <a:chOff x="0" y="0"/>
+          <a:chExt cx="0" cy="0"/>
+        </a:xfrm>
+      </p:grpSpPr>
+      <p:sp>
+        <p:nvSpPr>
+          <p:cNvPr id="2" name="标题 1"/>
+          <p:cNvSpPr>
+            <a:spLocks noGrp="1"/>
+          </p:cNvSpPr>
+          <p:nvPr>
+            <p:ph type="title"/>
+          </p:nvPr>
+        </p:nvSpPr>
+        <p:spPr>
+          <a:xfrm>
+            <a:off x="457200" y="485775"/>
+            <a:ext cx="8229600" cy="1143000"/>
+          </a:xfrm>
+        </p:spPr>
+        <p:txBody>
+          <a:bodyPr rtlCol="0">
+            <a:noAutofit/>
+          </a:bodyPr>
+          <a:lstStyle/>
+          <a:p>
+            <a:pPr lvl="3" algn="l" eaLnBrk="1" fontAlgn="auto" hangingPunct="1">
+              <a:spcAft>
+                <a:spcPts val="0"/>
+              </a:spcAft>
+              <a:defRPr/>
+            </a:pPr>
+            <a:r>
+              <a:rPr lang="en-US" altLang="zh-CN" sz="3600" b="1" dirty="0" smtClean="0">
+                <a:solidFill>
+                  <a:srgbClr val="F50A64"/>
+                </a:solidFill>
+                <a:uFill>
+                  <a:solidFill>
+                    <a:schemeClr val="bg1">
+                      <a:lumMod val="50000"/>
+                    </a:schemeClr>
+                  </a:solidFill>
+                </a:uFill>
+                <a:latin typeface="微软雅黑" pitchFamily="34" charset="-122"/>
+                <a:ea typeface="微软雅黑" pitchFamily="34" charset="-122"/>
+              </a:rPr>
+              <a:t>React</a:t>
+            </a:r>
+            <a:r>
+              <a:rPr lang="zh-CN" altLang="en-US" sz="3600" b="1" dirty="0" smtClean="0">
+                <a:solidFill>
+                  <a:srgbClr val="F50A64"/>
+                </a:solidFill>
+                <a:uFill>
+                  <a:solidFill>
+                    <a:schemeClr val="bg1">
+                      <a:lumMod val="50000"/>
+                    </a:schemeClr>
+                  </a:solidFill>
+                </a:uFill>
+                <a:latin typeface="微软雅黑" pitchFamily="34" charset="-122"/>
+                <a:ea typeface="微软雅黑" pitchFamily="34" charset="-122"/>
+              </a:rPr>
+              <a:t>代码讲解</a:t>
+            </a:r>
+            <a:endParaRPr lang="zh-CN" altLang="en-US" sz="3600" b="1" dirty="0" smtClean="0">
+              <a:solidFill>
+                <a:srgbClr val="F50A64"/>
+              </a:solidFill>
+              <a:uFill>
+                <a:solidFill>
+                  <a:schemeClr val="bg1">
+                    <a:lumMod val="50000"/>
+                  </a:schemeClr>
+                </a:solidFill>
+              </a:uFill>
+              <a:latin typeface="微软雅黑" pitchFamily="34" charset="-122"/>
+              <a:ea typeface="微软雅黑" pitchFamily="34" charset="-122"/>
+            </a:endParaRPr>
+          </a:p>
+        </p:txBody>
+      </p:sp>
+    </p:spTree>
+    <p:extLst>
+      <p:ext uri="{BB962C8B-B14F-4D97-AF65-F5344CB8AC3E}">
+        <p14:creationId xmlns:p14="http://schemas.microsoft.com/office/powerpoint/2010/main" val="1437463708"/>
+      </p:ext>
+    </p:extLst>
+  </p:cSld>
+  <p:clrMapOvr>
+    <a:masterClrMapping/>
+  </p:clrMapOvr>
+  <p:transition xmlns:p14="http://schemas.microsoft.com/office/powerpoint/2010/main" spd="slow">
+    <p:fade/>
+  </p:transition>
+  <p:timing>
+    <p:tnLst>
+      <p:par>
+        <p:cTn xmlns:p14="http://schemas.microsoft.com/office/powerpoint/2010/main" id="1" dur="indefinite" restart="never" nodeType="tmRoot"/>
+      </p:par>
+    </p:tnLst>
+  </p:timing>
+</p:sld>
+</file>
+
+<file path=ppt/slides/slide17.xml><?xml version="1.0" encoding="utf-8"?>
 <p:sld xmlns:a="http://schemas.openxmlformats.org/drawingml/2006/main" xmlns:r="http://schemas.openxmlformats.org/officeDocument/2006/relationships" xmlns:p="http://schemas.openxmlformats.org/presentationml/2006/main" showMasterSp="0">
   <p:cSld>
     <p:spTree>
@@ -9269,24 +9395,7 @@
                 <a:latin typeface="微软雅黑" pitchFamily="34" charset="-122"/>
                 <a:ea typeface="微软雅黑" pitchFamily="34" charset="-122"/>
               </a:rPr>
-              <a:t>注意</a:t>
-            </a:r>
-            <a:r>
-              <a:rPr lang="zh-CN" altLang="en-US" sz="3600" b="1" dirty="0" smtClean="0">
-                <a:solidFill>
-                  <a:srgbClr val="F50A64"/>
-                </a:solidFill>
-                <a:uFill>
-                  <a:solidFill>
-                    <a:schemeClr val="bg1">
-                      <a:lumMod val="50000"/>
-                    </a:schemeClr>
-                  </a:solidFill>
-                </a:uFill>
-                <a:latin typeface="微软雅黑" pitchFamily="34" charset="-122"/>
-                <a:ea typeface="微软雅黑" pitchFamily="34" charset="-122"/>
-              </a:rPr>
-              <a:t>事项 </a:t>
+              <a:t>注意事项 </a:t>
             </a:r>
           </a:p>
         </p:txBody>
@@ -9299,7 +9408,7 @@
         </p:nvSpPr>
         <p:spPr>
           <a:xfrm>
-            <a:off x="285720" y="1357298"/>
+            <a:off x="285720" y="1397675"/>
             <a:ext cx="8715436" cy="2031325"/>
           </a:xfrm>
           <a:prstGeom prst="rect">
@@ -9391,7 +9500,7 @@
               </a:lnSpc>
             </a:pPr>
             <a:r>
-              <a:rPr lang="en-US" altLang="zh-CN" sz="1500" dirty="0" err="1" smtClean="0">
+              <a:rPr lang="en-US" altLang="zh-CN" sz="1400" dirty="0" err="1" smtClean="0">
                 <a:solidFill>
                   <a:srgbClr val="404040"/>
                 </a:solidFill>
@@ -9402,7 +9511,7 @@
               <a:t>react</a:t>
             </a:r>
             <a:r>
-              <a:rPr lang="zh-CN" altLang="en-US" sz="1500" dirty="0" err="1" smtClean="0">
+              <a:rPr lang="zh-CN" altLang="en-US" sz="1400" dirty="0" err="1" smtClean="0">
                 <a:solidFill>
                   <a:srgbClr val="404040"/>
                 </a:solidFill>
@@ -9413,7 +9522,7 @@
               <a:t>，</a:t>
             </a:r>
             <a:r>
-              <a:rPr lang="en-US" altLang="zh-CN" sz="1500" dirty="0" err="1" smtClean="0">
+              <a:rPr lang="en-US" altLang="zh-CN" sz="1400" dirty="0" err="1" smtClean="0">
                 <a:solidFill>
                   <a:srgbClr val="404040"/>
                 </a:solidFill>
@@ -9424,7 +9533,7 @@
               <a:t>angular2</a:t>
             </a:r>
             <a:r>
-              <a:rPr lang="zh-CN" altLang="en-US" sz="1500" dirty="0" err="1" smtClean="0">
+              <a:rPr lang="zh-CN" altLang="en-US" sz="1400" dirty="0" err="1" smtClean="0">
                 <a:solidFill>
                   <a:srgbClr val="404040"/>
                 </a:solidFill>
@@ -9435,7 +9544,7 @@
               <a:t>，</a:t>
             </a:r>
             <a:r>
-              <a:rPr lang="en-US" altLang="zh-CN" sz="1500" dirty="0" err="1" smtClean="0">
+              <a:rPr lang="en-US" altLang="zh-CN" sz="1400" dirty="0" err="1" smtClean="0">
                 <a:solidFill>
                   <a:srgbClr val="404040"/>
                 </a:solidFill>
@@ -9446,7 +9555,7 @@
               <a:t>vue2 </a:t>
             </a:r>
             <a:r>
-              <a:rPr lang="zh-CN" altLang="en-US" sz="1500" dirty="0" err="1" smtClean="0">
+              <a:rPr lang="zh-CN" altLang="en-US" sz="1400" dirty="0" err="1" smtClean="0">
                 <a:solidFill>
                   <a:srgbClr val="404040"/>
                 </a:solidFill>
@@ -9457,7 +9566,7 @@
               <a:t>等热门主流框架，默认就是</a:t>
             </a:r>
             <a:r>
-              <a:rPr lang="en-US" altLang="zh-CN" sz="1500" dirty="0" err="1" smtClean="0">
+              <a:rPr lang="en-US" altLang="zh-CN" sz="1400" dirty="0" err="1" smtClean="0">
                 <a:solidFill>
                   <a:srgbClr val="404040"/>
                 </a:solidFill>
@@ -9468,7 +9577,7 @@
               <a:t>ES6</a:t>
             </a:r>
             <a:r>
-              <a:rPr lang="zh-CN" altLang="en-US" sz="1500" dirty="0" err="1" smtClean="0">
+              <a:rPr lang="zh-CN" altLang="en-US" sz="1400" dirty="0" err="1" smtClean="0">
                 <a:solidFill>
                   <a:srgbClr val="404040"/>
                 </a:solidFill>
@@ -9479,7 +9588,7 @@
               <a:t>语法，按官方文档搭建项目，就自动做好兼容，转化成</a:t>
             </a:r>
             <a:r>
-              <a:rPr lang="en-US" altLang="zh-CN" sz="1500" dirty="0" err="1" smtClean="0">
+              <a:rPr lang="en-US" altLang="zh-CN" sz="1400" dirty="0" err="1" smtClean="0">
                 <a:solidFill>
                   <a:srgbClr val="404040"/>
                 </a:solidFill>
@@ -9490,7 +9599,7 @@
               <a:t>ES5</a:t>
             </a:r>
             <a:r>
-              <a:rPr lang="zh-CN" altLang="en-US" sz="1500" dirty="0" err="1" smtClean="0">
+              <a:rPr lang="zh-CN" altLang="en-US" sz="1400" dirty="0" err="1" smtClean="0">
                 <a:solidFill>
                   <a:srgbClr val="404040"/>
                 </a:solidFill>
@@ -9500,7 +9609,7 @@
               </a:rPr>
               <a:t>。</a:t>
             </a:r>
-            <a:endParaRPr lang="en-US" altLang="zh-CN" sz="1500" dirty="0" err="1" smtClean="0">
+            <a:endParaRPr lang="en-US" altLang="zh-CN" sz="1400" dirty="0" err="1" smtClean="0">
               <a:solidFill>
                 <a:srgbClr val="404040"/>
               </a:solidFill>
@@ -9673,15 +9782,48 @@
               <a:t>4</a:t>
             </a:r>
             <a:r>
-              <a:rPr lang="zh-CN" altLang="en-US" sz="1500" dirty="0" err="1" smtClean="0">
-                <a:solidFill>
-                  <a:srgbClr val="404040"/>
-                </a:solidFill>
-                <a:latin typeface="微软雅黑"/>
-                <a:ea typeface="微软雅黑"/>
-                <a:cs typeface="微软雅黑"/>
-              </a:rPr>
-              <a:t>、如果是个新项目，并且是移动端单页面应用，就用</a:t>
+              <a:rPr lang="zh-CN" altLang="en-US" sz="1500" dirty="0" smtClean="0">
+                <a:solidFill>
+                  <a:srgbClr val="404040"/>
+                </a:solidFill>
+                <a:latin typeface="微软雅黑"/>
+                <a:ea typeface="微软雅黑"/>
+                <a:cs typeface="微软雅黑"/>
+              </a:rPr>
+              <a:t>、如果是个新项目，并且是移动端单页面应用</a:t>
+            </a:r>
+            <a:r>
+              <a:rPr lang="zh-CN" altLang="en-US" sz="1500" dirty="0" smtClean="0">
+                <a:solidFill>
+                  <a:srgbClr val="404040"/>
+                </a:solidFill>
+                <a:latin typeface="微软雅黑"/>
+                <a:ea typeface="微软雅黑"/>
+                <a:cs typeface="微软雅黑"/>
+              </a:rPr>
+              <a:t>，</a:t>
+            </a:r>
+            <a:r>
+              <a:rPr lang="zh-CN" altLang="en-US" sz="1500" dirty="0" smtClean="0">
+                <a:solidFill>
+                  <a:srgbClr val="404040"/>
+                </a:solidFill>
+                <a:latin typeface="微软雅黑"/>
+                <a:ea typeface="微软雅黑"/>
+                <a:cs typeface="微软雅黑"/>
+              </a:rPr>
+              <a:t>建议</a:t>
+            </a:r>
+            <a:r>
+              <a:rPr lang="zh-CN" altLang="en-US" sz="1500" dirty="0" smtClean="0">
+                <a:solidFill>
+                  <a:srgbClr val="404040"/>
+                </a:solidFill>
+                <a:latin typeface="微软雅黑"/>
+                <a:ea typeface="微软雅黑"/>
+                <a:cs typeface="微软雅黑"/>
+              </a:rPr>
+              <a:t>用</a:t>
             </a:r>
             <a:r>
               <a:rPr lang="en-US" altLang="zh-CN" sz="1500" dirty="0" err="1" smtClean="0">
@@ -9717,7 +9859,7 @@
         <p:spPr>
           <a:xfrm>
             <a:off x="285720" y="3541126"/>
-            <a:ext cx="6643734" cy="1428083"/>
+            <a:ext cx="6643734" cy="1369606"/>
           </a:xfrm>
           <a:prstGeom prst="rect">
             <a:avLst/>
@@ -10287,20 +10429,489 @@
   <p:clrMapOvr>
     <a:masterClrMapping/>
   </p:clrMapOvr>
-  <p:transition spd="slow">
+  <p:transition xmlns:p14="http://schemas.microsoft.com/office/powerpoint/2010/main" spd="slow">
     <p:fade/>
   </p:transition>
   <p:timing>
     <p:tnLst>
       <p:par>
-        <p:cTn id="1" dur="indefinite" restart="never" nodeType="tmRoot"/>
+        <p:cTn xmlns:p14="http://schemas.microsoft.com/office/powerpoint/2010/main" id="1" dur="indefinite" restart="never" nodeType="tmRoot"/>
       </p:par>
     </p:tnLst>
   </p:timing>
 </p:sld>
 </file>
 
-<file path=ppt/slides/slide17.xml><?xml version="1.0" encoding="utf-8"?>
+<file path=ppt/slides/slide18.xml><?xml version="1.0" encoding="utf-8"?>
+<p:sld xmlns:a="http://schemas.openxmlformats.org/drawingml/2006/main" xmlns:r="http://schemas.openxmlformats.org/officeDocument/2006/relationships" xmlns:p="http://schemas.openxmlformats.org/presentationml/2006/main">
+  <p:cSld>
+    <p:spTree>
+      <p:nvGrpSpPr>
+        <p:cNvPr id="1" name=""/>
+        <p:cNvGrpSpPr/>
+        <p:nvPr/>
+      </p:nvGrpSpPr>
+      <p:grpSpPr>
+        <a:xfrm>
+          <a:off x="0" y="0"/>
+          <a:ext cx="0" cy="0"/>
+          <a:chOff x="0" y="0"/>
+          <a:chExt cx="0" cy="0"/>
+        </a:xfrm>
+      </p:grpSpPr>
+      <p:sp>
+        <p:nvSpPr>
+          <p:cNvPr id="6" name="标题 1"/>
+          <p:cNvSpPr>
+            <a:spLocks noGrp="1"/>
+          </p:cNvSpPr>
+          <p:nvPr>
+            <p:ph type="title"/>
+          </p:nvPr>
+        </p:nvSpPr>
+        <p:spPr>
+          <a:xfrm>
+            <a:off x="457200" y="485775"/>
+            <a:ext cx="8229600" cy="1143000"/>
+          </a:xfrm>
+        </p:spPr>
+        <p:txBody>
+          <a:bodyPr rtlCol="0">
+            <a:noAutofit/>
+          </a:bodyPr>
+          <a:lstStyle/>
+          <a:p>
+            <a:pPr lvl="3" algn="l" eaLnBrk="1" fontAlgn="auto" hangingPunct="1">
+              <a:spcAft>
+                <a:spcPts val="0"/>
+              </a:spcAft>
+              <a:defRPr/>
+            </a:pPr>
+            <a:r>
+              <a:rPr lang="zh-CN" altLang="en-US" sz="3600" b="1" dirty="0" smtClean="0">
+                <a:solidFill>
+                  <a:srgbClr val="F50A64"/>
+                </a:solidFill>
+                <a:uFill>
+                  <a:solidFill>
+                    <a:schemeClr val="bg1">
+                      <a:lumMod val="50000"/>
+                    </a:schemeClr>
+                  </a:solidFill>
+                </a:uFill>
+                <a:latin typeface="微软雅黑" pitchFamily="34" charset="-122"/>
+                <a:ea typeface="微软雅黑" pitchFamily="34" charset="-122"/>
+              </a:rPr>
+              <a:t>调查</a:t>
+            </a:r>
+            <a:endParaRPr lang="zh-CN" altLang="en-US" sz="3600" b="1" dirty="0" smtClean="0">
+              <a:solidFill>
+                <a:srgbClr val="F50A64"/>
+              </a:solidFill>
+              <a:uFill>
+                <a:solidFill>
+                  <a:schemeClr val="bg1">
+                    <a:lumMod val="50000"/>
+                  </a:schemeClr>
+                </a:solidFill>
+              </a:uFill>
+              <a:latin typeface="微软雅黑" pitchFamily="34" charset="-122"/>
+              <a:ea typeface="微软雅黑" pitchFamily="34" charset="-122"/>
+            </a:endParaRPr>
+          </a:p>
+        </p:txBody>
+      </p:sp>
+      <p:sp>
+        <p:nvSpPr>
+          <p:cNvPr id="10" name="内容占位符 2"/>
+          <p:cNvSpPr>
+            <a:spLocks noGrp="1"/>
+          </p:cNvSpPr>
+          <p:nvPr>
+            <p:ph idx="1"/>
+          </p:nvPr>
+        </p:nvSpPr>
+        <p:spPr>
+          <a:xfrm>
+            <a:off x="214250" y="2204864"/>
+            <a:ext cx="8929750" cy="1800200"/>
+          </a:xfrm>
+        </p:spPr>
+        <p:txBody>
+          <a:bodyPr/>
+          <a:lstStyle/>
+          <a:p>
+            <a:pPr marL="742950" lvl="2" indent="-342900" eaLnBrk="1" hangingPunct="1"/>
+            <a:r>
+              <a:rPr lang="en-US" altLang="en-US" sz="1800" dirty="0" smtClean="0">
+                <a:solidFill>
+                  <a:srgbClr val="404040"/>
+                </a:solidFill>
+                <a:latin typeface="微软雅黑"/>
+                <a:ea typeface="微软雅黑"/>
+                <a:cs typeface="微软雅黑"/>
+              </a:rPr>
+              <a:t>Angular2入门</a:t>
+            </a:r>
+          </a:p>
+          <a:p>
+            <a:pPr marL="742950" lvl="2" indent="-342900" eaLnBrk="1" hangingPunct="1"/>
+            <a:r>
+              <a:rPr lang="en-US" altLang="zh-CN" sz="1800" dirty="0" smtClean="0">
+                <a:solidFill>
+                  <a:srgbClr val="404040"/>
+                </a:solidFill>
+                <a:latin typeface="微软雅黑"/>
+                <a:ea typeface="微软雅黑"/>
+                <a:cs typeface="微软雅黑"/>
+              </a:rPr>
+              <a:t>React native</a:t>
+            </a:r>
+            <a:r>
+              <a:rPr lang="zh-CN" altLang="en-US" sz="1800" dirty="0" smtClean="0">
+                <a:solidFill>
+                  <a:srgbClr val="404040"/>
+                </a:solidFill>
+                <a:latin typeface="微软雅黑"/>
+                <a:ea typeface="微软雅黑"/>
+                <a:cs typeface="微软雅黑"/>
+              </a:rPr>
+              <a:t>开发</a:t>
+            </a:r>
+            <a:r>
+              <a:rPr lang="en-US" altLang="zh-CN" sz="1800" dirty="0" smtClean="0">
+                <a:solidFill>
+                  <a:srgbClr val="404040"/>
+                </a:solidFill>
+                <a:latin typeface="微软雅黑"/>
+                <a:ea typeface="微软雅黑"/>
+                <a:cs typeface="微软雅黑"/>
+              </a:rPr>
+              <a:t>APP</a:t>
+            </a:r>
+          </a:p>
+          <a:p>
+            <a:pPr marL="742950" lvl="2" indent="-342900" eaLnBrk="1" hangingPunct="1"/>
+            <a:r>
+              <a:rPr lang="en-US" altLang="zh-CN" sz="1800" dirty="0" err="1" smtClean="0">
+                <a:solidFill>
+                  <a:srgbClr val="404040"/>
+                </a:solidFill>
+                <a:latin typeface="微软雅黑"/>
+                <a:ea typeface="微软雅黑"/>
+                <a:cs typeface="微软雅黑"/>
+              </a:rPr>
+              <a:t>Node.js</a:t>
+            </a:r>
+            <a:r>
+              <a:rPr lang="zh-CN" altLang="en-US" sz="1800" dirty="0" smtClean="0">
+                <a:solidFill>
+                  <a:srgbClr val="404040"/>
+                </a:solidFill>
+                <a:latin typeface="微软雅黑"/>
+                <a:ea typeface="微软雅黑"/>
+                <a:cs typeface="微软雅黑"/>
+              </a:rPr>
+              <a:t>后端</a:t>
+            </a:r>
+            <a:endParaRPr lang="en-US" altLang="zh-CN" sz="1800" dirty="0" smtClean="0">
+              <a:solidFill>
+                <a:srgbClr val="404040"/>
+              </a:solidFill>
+              <a:latin typeface="微软雅黑"/>
+              <a:ea typeface="微软雅黑"/>
+              <a:cs typeface="微软雅黑"/>
+            </a:endParaRPr>
+          </a:p>
+          <a:p>
+            <a:pPr marL="742950" lvl="2" indent="-342900" eaLnBrk="1" hangingPunct="1"/>
+            <a:r>
+              <a:rPr lang="en-US" altLang="zh-CN" sz="1800" dirty="0" smtClean="0">
+                <a:solidFill>
+                  <a:srgbClr val="404040"/>
+                </a:solidFill>
+                <a:latin typeface="微软雅黑"/>
+                <a:ea typeface="微软雅黑"/>
+                <a:cs typeface="微软雅黑"/>
+              </a:rPr>
+              <a:t>Css3</a:t>
+            </a:r>
+            <a:r>
+              <a:rPr lang="zh-CN" altLang="en-US" sz="1800" dirty="0" smtClean="0">
+                <a:solidFill>
+                  <a:srgbClr val="404040"/>
+                </a:solidFill>
+                <a:latin typeface="微软雅黑"/>
+                <a:ea typeface="微软雅黑"/>
+                <a:cs typeface="微软雅黑"/>
+              </a:rPr>
+              <a:t>动画</a:t>
+            </a:r>
+            <a:endParaRPr lang="en-US" altLang="zh-CN" sz="1800" dirty="0" smtClean="0">
+              <a:solidFill>
+                <a:srgbClr val="404040"/>
+              </a:solidFill>
+              <a:latin typeface="微软雅黑"/>
+              <a:ea typeface="微软雅黑"/>
+              <a:cs typeface="微软雅黑"/>
+            </a:endParaRPr>
+          </a:p>
+          <a:p>
+            <a:pPr marL="742950" lvl="2" indent="-342900" eaLnBrk="1" hangingPunct="1"/>
+            <a:endParaRPr lang="en-US" altLang="zh-CN" sz="1800" dirty="0">
+              <a:solidFill>
+                <a:srgbClr val="404040"/>
+              </a:solidFill>
+              <a:latin typeface="微软雅黑"/>
+              <a:ea typeface="微软雅黑"/>
+              <a:cs typeface="微软雅黑"/>
+            </a:endParaRPr>
+          </a:p>
+          <a:p>
+            <a:pPr marL="742950" lvl="2" indent="-342900" eaLnBrk="1" hangingPunct="1"/>
+            <a:endParaRPr lang="zh-CN" altLang="en-US" sz="1800" dirty="0" smtClean="0">
+              <a:solidFill>
+                <a:srgbClr val="404040"/>
+              </a:solidFill>
+              <a:latin typeface="微软雅黑"/>
+              <a:ea typeface="微软雅黑"/>
+              <a:cs typeface="微软雅黑"/>
+            </a:endParaRPr>
+          </a:p>
+        </p:txBody>
+      </p:sp>
+      <p:sp>
+        <p:nvSpPr>
+          <p:cNvPr id="12" name="内容占位符 2"/>
+          <p:cNvSpPr txBox="1">
+            <a:spLocks/>
+          </p:cNvSpPr>
+          <p:nvPr/>
+        </p:nvSpPr>
+        <p:spPr bwMode="auto">
+          <a:xfrm>
+            <a:off x="179512" y="1700808"/>
+            <a:ext cx="7920880" cy="576064"/>
+          </a:xfrm>
+          <a:prstGeom prst="rect">
+            <a:avLst/>
+          </a:prstGeom>
+          <a:noFill/>
+          <a:ln w="9525">
+            <a:noFill/>
+            <a:miter lim="800000"/>
+            <a:headEnd/>
+            <a:tailEnd/>
+          </a:ln>
+        </p:spPr>
+        <p:txBody>
+          <a:bodyPr vert="horz" wrap="square" lIns="91440" tIns="45720" rIns="91440" bIns="45720" numCol="1" anchor="t" anchorCtr="0" compatLnSpc="1">
+            <a:prstTxWarp prst="textNoShape">
+              <a:avLst/>
+            </a:prstTxWarp>
+          </a:bodyPr>
+          <a:lstStyle>
+            <a:lvl1pPr marL="342900" indent="-342900" algn="l" rtl="0" eaLnBrk="0" fontAlgn="base" hangingPunct="0">
+              <a:spcBef>
+                <a:spcPct val="20000"/>
+              </a:spcBef>
+              <a:spcAft>
+                <a:spcPct val="0"/>
+              </a:spcAft>
+              <a:buFont typeface="Arial" charset="0"/>
+              <a:buChar char="•"/>
+              <a:defRPr sz="3200" kern="1200">
+                <a:solidFill>
+                  <a:schemeClr val="tx1"/>
+                </a:solidFill>
+                <a:latin typeface="+mn-lt"/>
+                <a:ea typeface="+mn-ea"/>
+                <a:cs typeface="+mn-cs"/>
+              </a:defRPr>
+            </a:lvl1pPr>
+            <a:lvl2pPr marL="742950" indent="-285750" algn="l" rtl="0" eaLnBrk="0" fontAlgn="base" hangingPunct="0">
+              <a:spcBef>
+                <a:spcPct val="20000"/>
+              </a:spcBef>
+              <a:spcAft>
+                <a:spcPct val="0"/>
+              </a:spcAft>
+              <a:buFont typeface="Arial" charset="0"/>
+              <a:buChar char="–"/>
+              <a:defRPr sz="2800" kern="1200">
+                <a:solidFill>
+                  <a:schemeClr val="tx1"/>
+                </a:solidFill>
+                <a:latin typeface="+mn-lt"/>
+                <a:ea typeface="+mn-ea"/>
+                <a:cs typeface="+mn-cs"/>
+              </a:defRPr>
+            </a:lvl2pPr>
+            <a:lvl3pPr marL="1143000" indent="-228600" algn="l" rtl="0" eaLnBrk="0" fontAlgn="base" hangingPunct="0">
+              <a:spcBef>
+                <a:spcPct val="20000"/>
+              </a:spcBef>
+              <a:spcAft>
+                <a:spcPct val="0"/>
+              </a:spcAft>
+              <a:buFont typeface="Arial" charset="0"/>
+              <a:buChar char="•"/>
+              <a:defRPr sz="2400" kern="1200">
+                <a:solidFill>
+                  <a:schemeClr val="tx1"/>
+                </a:solidFill>
+                <a:latin typeface="+mn-lt"/>
+                <a:ea typeface="+mn-ea"/>
+                <a:cs typeface="+mn-cs"/>
+              </a:defRPr>
+            </a:lvl3pPr>
+            <a:lvl4pPr marL="1600200" indent="-228600" algn="l" rtl="0" eaLnBrk="0" fontAlgn="base" hangingPunct="0">
+              <a:spcBef>
+                <a:spcPct val="20000"/>
+              </a:spcBef>
+              <a:spcAft>
+                <a:spcPct val="0"/>
+              </a:spcAft>
+              <a:buFont typeface="Arial" charset="0"/>
+              <a:buChar char="–"/>
+              <a:defRPr sz="2000" kern="1200">
+                <a:solidFill>
+                  <a:schemeClr val="tx1"/>
+                </a:solidFill>
+                <a:latin typeface="+mn-lt"/>
+                <a:ea typeface="+mn-ea"/>
+                <a:cs typeface="+mn-cs"/>
+              </a:defRPr>
+            </a:lvl4pPr>
+            <a:lvl5pPr marL="2057400" indent="-228600" algn="l" rtl="0" eaLnBrk="0" fontAlgn="base" hangingPunct="0">
+              <a:spcBef>
+                <a:spcPct val="20000"/>
+              </a:spcBef>
+              <a:spcAft>
+                <a:spcPct val="0"/>
+              </a:spcAft>
+              <a:buFont typeface="Arial" charset="0"/>
+              <a:buChar char="»"/>
+              <a:defRPr sz="2000" kern="1200">
+                <a:solidFill>
+                  <a:schemeClr val="tx1"/>
+                </a:solidFill>
+                <a:latin typeface="+mn-lt"/>
+                <a:ea typeface="+mn-ea"/>
+                <a:cs typeface="+mn-cs"/>
+              </a:defRPr>
+            </a:lvl5pPr>
+            <a:lvl6pPr marL="2514600" indent="-228600" algn="l" defTabSz="914400" rtl="0" eaLnBrk="1" latinLnBrk="0" hangingPunct="1">
+              <a:spcBef>
+                <a:spcPct val="20000"/>
+              </a:spcBef>
+              <a:buFont typeface="Arial" pitchFamily="34" charset="0"/>
+              <a:buChar char="•"/>
+              <a:defRPr sz="2000" kern="1200">
+                <a:solidFill>
+                  <a:schemeClr val="tx1"/>
+                </a:solidFill>
+                <a:latin typeface="+mn-lt"/>
+                <a:ea typeface="+mn-ea"/>
+                <a:cs typeface="+mn-cs"/>
+              </a:defRPr>
+            </a:lvl6pPr>
+            <a:lvl7pPr marL="2971800" indent="-228600" algn="l" defTabSz="914400" rtl="0" eaLnBrk="1" latinLnBrk="0" hangingPunct="1">
+              <a:spcBef>
+                <a:spcPct val="20000"/>
+              </a:spcBef>
+              <a:buFont typeface="Arial" pitchFamily="34" charset="0"/>
+              <a:buChar char="•"/>
+              <a:defRPr sz="2000" kern="1200">
+                <a:solidFill>
+                  <a:schemeClr val="tx1"/>
+                </a:solidFill>
+                <a:latin typeface="+mn-lt"/>
+                <a:ea typeface="+mn-ea"/>
+                <a:cs typeface="+mn-cs"/>
+              </a:defRPr>
+            </a:lvl7pPr>
+            <a:lvl8pPr marL="3429000" indent="-228600" algn="l" defTabSz="914400" rtl="0" eaLnBrk="1" latinLnBrk="0" hangingPunct="1">
+              <a:spcBef>
+                <a:spcPct val="20000"/>
+              </a:spcBef>
+              <a:buFont typeface="Arial" pitchFamily="34" charset="0"/>
+              <a:buChar char="•"/>
+              <a:defRPr sz="2000" kern="1200">
+                <a:solidFill>
+                  <a:schemeClr val="tx1"/>
+                </a:solidFill>
+                <a:latin typeface="+mn-lt"/>
+                <a:ea typeface="+mn-ea"/>
+                <a:cs typeface="+mn-cs"/>
+              </a:defRPr>
+            </a:lvl8pPr>
+            <a:lvl9pPr marL="3886200" indent="-228600" algn="l" defTabSz="914400" rtl="0" eaLnBrk="1" latinLnBrk="0" hangingPunct="1">
+              <a:spcBef>
+                <a:spcPct val="20000"/>
+              </a:spcBef>
+              <a:buFont typeface="Arial" pitchFamily="34" charset="0"/>
+              <a:buChar char="•"/>
+              <a:defRPr sz="2000" kern="1200">
+                <a:solidFill>
+                  <a:schemeClr val="tx1"/>
+                </a:solidFill>
+                <a:latin typeface="+mn-lt"/>
+                <a:ea typeface="+mn-ea"/>
+                <a:cs typeface="+mn-cs"/>
+              </a:defRPr>
+            </a:lvl9pPr>
+          </a:lstStyle>
+          <a:p>
+            <a:pPr marL="400050" lvl="2" indent="0" eaLnBrk="1" hangingPunct="1">
+              <a:buNone/>
+            </a:pPr>
+            <a:r>
+              <a:rPr lang="zh-CN" altLang="en-US" sz="1800" dirty="0" smtClean="0">
+                <a:solidFill>
+                  <a:srgbClr val="404040"/>
+                </a:solidFill>
+                <a:latin typeface="微软雅黑"/>
+                <a:ea typeface="微软雅黑"/>
+                <a:cs typeface="微软雅黑"/>
+              </a:rPr>
+              <a:t>下一期前端培训课题，哪一项是你最感兴趣？</a:t>
+            </a:r>
+            <a:endParaRPr lang="zh-CN" altLang="en-US" sz="1800" dirty="0" smtClean="0">
+              <a:solidFill>
+                <a:srgbClr val="404040"/>
+              </a:solidFill>
+              <a:latin typeface="微软雅黑"/>
+              <a:ea typeface="微软雅黑"/>
+              <a:cs typeface="微软雅黑"/>
+            </a:endParaRPr>
+          </a:p>
+        </p:txBody>
+      </p:sp>
+    </p:spTree>
+    <p:extLst>
+      <p:ext uri="{BB962C8B-B14F-4D97-AF65-F5344CB8AC3E}">
+        <p14:creationId xmlns:p14="http://schemas.microsoft.com/office/powerpoint/2010/main" val="447829397"/>
+      </p:ext>
+    </p:extLst>
+  </p:cSld>
+  <p:clrMapOvr>
+    <a:masterClrMapping/>
+  </p:clrMapOvr>
+  <p:transition xmlns:p14="http://schemas.microsoft.com/office/powerpoint/2010/main" spd="slow">
+    <p:fade/>
+  </p:transition>
+  <p:timing>
+    <p:tnLst>
+      <p:par>
+        <p:cTn xmlns:p14="http://schemas.microsoft.com/office/powerpoint/2010/main" id="1" dur="indefinite" restart="never" nodeType="tmRoot"/>
+      </p:par>
+    </p:tnLst>
+  </p:timing>
+</p:sld>
+</file>
+
+<file path=ppt/slides/slide19.xml><?xml version="1.0" encoding="utf-8"?>
 <p:sld xmlns:a="http://schemas.openxmlformats.org/drawingml/2006/main" xmlns:r="http://schemas.openxmlformats.org/officeDocument/2006/relationships" xmlns:p="http://schemas.openxmlformats.org/presentationml/2006/main" showMasterSp="0">
   <p:cSld>
     <p:spTree>
@@ -10418,25 +11029,7 @@
                 <a:cs typeface="微软雅黑"/>
                 <a:hlinkClick r:id="rId3"/>
               </a:rPr>
-              <a:t>https</a:t>
-            </a:r>
-            <a:r>
-              <a:rPr lang="en-US" altLang="zh-CN" sz="1600" dirty="0" smtClean="0">
-                <a:latin typeface="微软雅黑"/>
-                <a:ea typeface="微软雅黑"/>
-                <a:cs typeface="微软雅黑"/>
-                <a:hlinkClick r:id="rId3"/>
-              </a:rPr>
-              <a:t>://</a:t>
-            </a:r>
-            <a:r>
-              <a:rPr lang="en-US" altLang="zh-CN" sz="1600" dirty="0" smtClean="0">
-                <a:latin typeface="微软雅黑"/>
-                <a:ea typeface="微软雅黑"/>
-                <a:cs typeface="微软雅黑"/>
-                <a:hlinkClick r:id="rId3"/>
-              </a:rPr>
-              <a:t>github.com/weianzi/ES6</a:t>
+              <a:t>https://github.com/weianzi/ES6</a:t>
             </a:r>
             <a:endParaRPr lang="en-US" altLang="zh-CN" sz="1600" dirty="0" smtClean="0">
               <a:latin typeface="微软雅黑"/>
@@ -10451,13 +11044,13 @@
   <p:clrMapOvr>
     <a:masterClrMapping/>
   </p:clrMapOvr>
-  <p:transition spd="slow">
+  <p:transition xmlns:p14="http://schemas.microsoft.com/office/powerpoint/2010/main" spd="slow">
     <p:fade/>
   </p:transition>
   <p:timing>
     <p:tnLst>
       <p:par>
-        <p:cTn id="1" dur="indefinite" restart="never" nodeType="tmRoot"/>
+        <p:cTn xmlns:p14="http://schemas.microsoft.com/office/powerpoint/2010/main" id="1" dur="indefinite" restart="never" nodeType="tmRoot"/>
       </p:par>
     </p:tnLst>
   </p:timing>
@@ -10906,13 +11499,13 @@
   <p:clrMapOvr>
     <a:masterClrMapping/>
   </p:clrMapOvr>
-  <p:transition spd="slow">
+  <p:transition xmlns:p14="http://schemas.microsoft.com/office/powerpoint/2010/main" spd="slow">
     <p:fade/>
   </p:transition>
   <p:timing>
     <p:tnLst>
       <p:par>
-        <p:cTn id="1" dur="indefinite" restart="never" nodeType="tmRoot"/>
+        <p:cTn xmlns:p14="http://schemas.microsoft.com/office/powerpoint/2010/main" id="1" dur="indefinite" restart="never" nodeType="tmRoot"/>
       </p:par>
     </p:tnLst>
   </p:timing>
@@ -11607,13 +12200,13 @@
   <p:clrMapOvr>
     <a:masterClrMapping/>
   </p:clrMapOvr>
-  <p:transition spd="slow">
+  <p:transition xmlns:p14="http://schemas.microsoft.com/office/powerpoint/2010/main" spd="slow">
     <p:fade/>
   </p:transition>
   <p:timing>
     <p:tnLst>
       <p:par>
-        <p:cTn id="1" dur="indefinite" restart="never" nodeType="tmRoot"/>
+        <p:cTn xmlns:p14="http://schemas.microsoft.com/office/powerpoint/2010/main" id="1" dur="indefinite" restart="never" nodeType="tmRoot"/>
       </p:par>
     </p:tnLst>
   </p:timing>
@@ -11962,8 +12555,38 @@
                 <a:ea typeface="微软雅黑"/>
                 <a:cs typeface="微软雅黑"/>
               </a:rPr>
-              <a:t>表达式，可以进行运算，以及引用对象属性。</a:t>
-            </a:r>
+              <a:t>表达式，可以进行运算，以及引用对象属性</a:t>
+            </a:r>
+            <a:r>
+              <a:rPr lang="zh-CN" altLang="en-US" sz="1800" dirty="0" smtClean="0">
+                <a:solidFill>
+                  <a:srgbClr val="404040"/>
+                </a:solidFill>
+                <a:latin typeface="微软雅黑"/>
+                <a:ea typeface="微软雅黑"/>
+                <a:cs typeface="微软雅黑"/>
+              </a:rPr>
+              <a:t>。</a:t>
+            </a:r>
+            <a:endParaRPr lang="en-US" altLang="zh-CN" sz="1800" dirty="0" smtClean="0">
+              <a:solidFill>
+                <a:srgbClr val="404040"/>
+              </a:solidFill>
+              <a:latin typeface="微软雅黑"/>
+              <a:ea typeface="微软雅黑"/>
+              <a:cs typeface="微软雅黑"/>
+            </a:endParaRPr>
+          </a:p>
+          <a:p>
+            <a:pPr marL="742950" lvl="2" indent="-342900" eaLnBrk="1" hangingPunct="1"/>
+            <a:endParaRPr lang="zh-CN" altLang="en-US" sz="1800" dirty="0" smtClean="0">
+              <a:solidFill>
+                <a:srgbClr val="404040"/>
+              </a:solidFill>
+              <a:latin typeface="微软雅黑"/>
+              <a:ea typeface="微软雅黑"/>
+              <a:cs typeface="微软雅黑"/>
+            </a:endParaRPr>
           </a:p>
         </p:txBody>
       </p:sp>
@@ -11972,13 +12595,13 @@
   <p:clrMapOvr>
     <a:masterClrMapping/>
   </p:clrMapOvr>
-  <p:transition spd="slow">
+  <p:transition xmlns:p14="http://schemas.microsoft.com/office/powerpoint/2010/main" spd="slow">
     <p:fade/>
   </p:transition>
   <p:timing>
     <p:tnLst>
       <p:par>
-        <p:cTn id="1" dur="indefinite" restart="never" nodeType="tmRoot">
+        <p:cTn xmlns:p14="http://schemas.microsoft.com/office/powerpoint/2010/main" id="1" dur="indefinite" restart="never" nodeType="tmRoot">
           <p:childTnLst>
             <p:seq concurrent="1" nextAc="seek">
               <p:cTn id="2" dur="indefinite" nodeType="mainSeq">
@@ -12773,40 +13396,7 @@
                 <a:ea typeface="微软雅黑"/>
                 <a:cs typeface="微软雅黑"/>
               </a:rPr>
-              <a:t>但对于复合类型的数据（</a:t>
-            </a:r>
-            <a:r>
-              <a:rPr lang="zh-CN" altLang="en-US" dirty="0" smtClean="0">
-                <a:solidFill>
-                  <a:srgbClr val="404040"/>
-                </a:solidFill>
-                <a:latin typeface="微软雅黑"/>
-                <a:ea typeface="微软雅黑"/>
-                <a:cs typeface="微软雅黑"/>
-              </a:rPr>
-              <a:t>主要</a:t>
-            </a:r>
-            <a:r>
-              <a:rPr lang="zh-CN" altLang="en-US" dirty="0" smtClean="0">
-                <a:solidFill>
-                  <a:srgbClr val="404040"/>
-                </a:solidFill>
-                <a:latin typeface="微软雅黑"/>
-                <a:ea typeface="微软雅黑"/>
-                <a:cs typeface="微软雅黑"/>
-              </a:rPr>
-              <a:t>是对象和数组），变量指向的内存地址，保存的只是一个指针</a:t>
-            </a:r>
-            <a:r>
-              <a:rPr lang="zh-CN" altLang="en-US" dirty="0" smtClean="0">
-                <a:solidFill>
-                  <a:srgbClr val="404040"/>
-                </a:solidFill>
-                <a:latin typeface="微软雅黑"/>
-                <a:ea typeface="微软雅黑"/>
-                <a:cs typeface="微软雅黑"/>
-              </a:rPr>
-              <a:t>。</a:t>
+              <a:t>但对于复合类型的数据（主要是对象和数组），变量指向的内存地址，保存的只是一个指针。</a:t>
             </a:r>
             <a:r>
               <a:rPr lang="en-US" altLang="zh-CN" dirty="0" smtClean="0">
@@ -13097,13 +13687,13 @@
   <p:clrMapOvr>
     <a:masterClrMapping/>
   </p:clrMapOvr>
-  <p:transition spd="slow">
+  <p:transition xmlns:p14="http://schemas.microsoft.com/office/powerpoint/2010/main" spd="slow">
     <p:fade/>
   </p:transition>
   <p:timing>
     <p:tnLst>
       <p:par>
-        <p:cTn id="1" dur="indefinite" restart="never" nodeType="tmRoot">
+        <p:cTn xmlns:p14="http://schemas.microsoft.com/office/powerpoint/2010/main" id="1" dur="indefinite" restart="never" nodeType="tmRoot">
           <p:childTnLst>
             <p:seq concurrent="1" nextAc="seek">
               <p:cTn id="2" dur="indefinite" nodeType="mainSeq">
@@ -13665,13 +14255,13 @@
   <p:clrMapOvr>
     <a:masterClrMapping/>
   </p:clrMapOvr>
-  <p:transition spd="slow">
+  <p:transition xmlns:p14="http://schemas.microsoft.com/office/powerpoint/2010/main" spd="slow">
     <p:fade/>
   </p:transition>
   <p:timing>
     <p:tnLst>
       <p:par>
-        <p:cTn id="1" dur="indefinite" restart="never" nodeType="tmRoot">
+        <p:cTn xmlns:p14="http://schemas.microsoft.com/office/powerpoint/2010/main" id="1" dur="indefinite" restart="never" nodeType="tmRoot">
           <p:childTnLst>
             <p:seq concurrent="1" nextAc="seek">
               <p:cTn id="2" dur="indefinite" nodeType="mainSeq">
@@ -14338,13 +14928,13 @@
   <p:clrMapOvr>
     <a:masterClrMapping/>
   </p:clrMapOvr>
-  <p:transition spd="slow">
+  <p:transition xmlns:p14="http://schemas.microsoft.com/office/powerpoint/2010/main" spd="slow">
     <p:fade/>
   </p:transition>
   <p:timing>
     <p:tnLst>
       <p:par>
-        <p:cTn id="1" dur="indefinite" restart="never" nodeType="tmRoot">
+        <p:cTn xmlns:p14="http://schemas.microsoft.com/office/powerpoint/2010/main" id="1" dur="indefinite" restart="never" nodeType="tmRoot">
           <p:childTnLst>
             <p:seq concurrent="1" nextAc="seek">
               <p:cTn id="2" dur="indefinite" nodeType="mainSeq">
@@ -14808,13 +15398,13 @@
   <p:clrMapOvr>
     <a:masterClrMapping/>
   </p:clrMapOvr>
-  <p:transition spd="slow">
+  <p:transition xmlns:p14="http://schemas.microsoft.com/office/powerpoint/2010/main" spd="slow">
     <p:fade/>
   </p:transition>
   <p:timing>
     <p:tnLst>
       <p:par>
-        <p:cTn id="1" dur="indefinite" restart="never" nodeType="tmRoot">
+        <p:cTn xmlns:p14="http://schemas.microsoft.com/office/powerpoint/2010/main" id="1" dur="indefinite" restart="never" nodeType="tmRoot">
           <p:childTnLst>
             <p:seq concurrent="1" nextAc="seek">
               <p:cTn id="2" dur="indefinite" nodeType="mainSeq">
@@ -15360,13 +15950,13 @@
   <p:clrMapOvr>
     <a:masterClrMapping/>
   </p:clrMapOvr>
-  <p:transition spd="slow">
+  <p:transition xmlns:p14="http://schemas.microsoft.com/office/powerpoint/2010/main" spd="slow">
     <p:fade/>
   </p:transition>
   <p:timing>
     <p:tnLst>
       <p:par>
-        <p:cTn id="1" dur="indefinite" restart="never" nodeType="tmRoot">
+        <p:cTn xmlns:p14="http://schemas.microsoft.com/office/powerpoint/2010/main" id="1" dur="indefinite" restart="never" nodeType="tmRoot">
           <p:childTnLst>
             <p:seq concurrent="1" nextAc="seek">
               <p:cTn id="2" dur="indefinite" nodeType="mainSeq">
